--- a/Unidad 2/2.1 PRESENTACION ELECTRONICA-CYNTHIA JASMINE MORALES TORRES.pptx
+++ b/Unidad 2/2.1 PRESENTACION ELECTRONICA-CYNTHIA JASMINE MORALES TORRES.pptx
@@ -6,20 +6,21 @@
   </p:sldMasterIdLst>
   <p:sldIdLst>
     <p:sldId id="256" r:id="rId2"/>
-    <p:sldId id="257" r:id="rId3"/>
-    <p:sldId id="258" r:id="rId4"/>
-    <p:sldId id="259" r:id="rId5"/>
-    <p:sldId id="260" r:id="rId6"/>
-    <p:sldId id="261" r:id="rId7"/>
-    <p:sldId id="262" r:id="rId8"/>
-    <p:sldId id="263" r:id="rId9"/>
-    <p:sldId id="264" r:id="rId10"/>
-    <p:sldId id="265" r:id="rId11"/>
-    <p:sldId id="266" r:id="rId12"/>
-    <p:sldId id="267" r:id="rId13"/>
-    <p:sldId id="268" r:id="rId14"/>
-    <p:sldId id="269" r:id="rId15"/>
-    <p:sldId id="270" r:id="rId16"/>
+    <p:sldId id="271" r:id="rId3"/>
+    <p:sldId id="257" r:id="rId4"/>
+    <p:sldId id="258" r:id="rId5"/>
+    <p:sldId id="259" r:id="rId6"/>
+    <p:sldId id="260" r:id="rId7"/>
+    <p:sldId id="261" r:id="rId8"/>
+    <p:sldId id="262" r:id="rId9"/>
+    <p:sldId id="263" r:id="rId10"/>
+    <p:sldId id="264" r:id="rId11"/>
+    <p:sldId id="265" r:id="rId12"/>
+    <p:sldId id="266" r:id="rId13"/>
+    <p:sldId id="267" r:id="rId14"/>
+    <p:sldId id="268" r:id="rId15"/>
+    <p:sldId id="269" r:id="rId16"/>
+    <p:sldId id="270" r:id="rId17"/>
   </p:sldIdLst>
   <p:sldSz cx="9144000" cy="6858000" type="screen4x3"/>
   <p:notesSz cx="6858000" cy="9144000"/>
@@ -361,7 +362,7 @@
           <a:p>
             <a:fld id="{5BCAD085-E8A6-8845-BD4E-CB4CCA059FC4}" type="datetimeFigureOut">
               <a:rPr lang="en-US" smtClean="0"/>
-              <a:t>11/23/2025</a:t>
+              <a:t>11/24/2025</a:t>
             </a:fld>
             <a:endParaRPr lang="en-US"/>
           </a:p>
@@ -692,7 +693,7 @@
           <a:p>
             <a:fld id="{5BCAD085-E8A6-8845-BD4E-CB4CCA059FC4}" type="datetimeFigureOut">
               <a:rPr lang="en-US" smtClean="0"/>
-              <a:t>11/23/2025</a:t>
+              <a:t>11/24/2025</a:t>
             </a:fld>
             <a:endParaRPr lang="en-US"/>
           </a:p>
@@ -940,7 +941,7 @@
           <a:p>
             <a:fld id="{5BCAD085-E8A6-8845-BD4E-CB4CCA059FC4}" type="datetimeFigureOut">
               <a:rPr lang="en-US" smtClean="0"/>
-              <a:t>11/23/2025</a:t>
+              <a:t>11/24/2025</a:t>
             </a:fld>
             <a:endParaRPr lang="en-US"/>
           </a:p>
@@ -1286,7 +1287,7 @@
           <a:p>
             <a:fld id="{5BCAD085-E8A6-8845-BD4E-CB4CCA059FC4}" type="datetimeFigureOut">
               <a:rPr lang="en-US" smtClean="0"/>
-              <a:t>11/23/2025</a:t>
+              <a:t>11/24/2025</a:t>
             </a:fld>
             <a:endParaRPr lang="en-US"/>
           </a:p>
@@ -1640,7 +1641,7 @@
           <a:p>
             <a:fld id="{5BCAD085-E8A6-8845-BD4E-CB4CCA059FC4}" type="datetimeFigureOut">
               <a:rPr lang="en-US" smtClean="0"/>
-              <a:t>11/23/2025</a:t>
+              <a:t>11/24/2025</a:t>
             </a:fld>
             <a:endParaRPr lang="en-US"/>
           </a:p>
@@ -2014,7 +2015,7 @@
           <a:p>
             <a:fld id="{5BCAD085-E8A6-8845-BD4E-CB4CCA059FC4}" type="datetimeFigureOut">
               <a:rPr lang="en-US" smtClean="0"/>
-              <a:t>11/23/2025</a:t>
+              <a:t>11/24/2025</a:t>
             </a:fld>
             <a:endParaRPr lang="en-US"/>
           </a:p>
@@ -2491,7 +2492,7 @@
           <a:p>
             <a:fld id="{5BCAD085-E8A6-8845-BD4E-CB4CCA059FC4}" type="datetimeFigureOut">
               <a:rPr lang="en-US" smtClean="0"/>
-              <a:t>11/23/2025</a:t>
+              <a:t>11/24/2025</a:t>
             </a:fld>
             <a:endParaRPr lang="en-US"/>
           </a:p>
@@ -2708,7 +2709,7 @@
           <a:p>
             <a:fld id="{5BCAD085-E8A6-8845-BD4E-CB4CCA059FC4}" type="datetimeFigureOut">
               <a:rPr lang="en-US" smtClean="0"/>
-              <a:t>11/23/2025</a:t>
+              <a:t>11/24/2025</a:t>
             </a:fld>
             <a:endParaRPr lang="en-US"/>
           </a:p>
@@ -2926,7 +2927,7 @@
           <a:p>
             <a:fld id="{5BCAD085-E8A6-8845-BD4E-CB4CCA059FC4}" type="datetimeFigureOut">
               <a:rPr lang="en-US" smtClean="0"/>
-              <a:t>11/23/2025</a:t>
+              <a:t>11/24/2025</a:t>
             </a:fld>
             <a:endParaRPr lang="en-US"/>
           </a:p>
@@ -3172,7 +3173,7 @@
           <a:p>
             <a:fld id="{5BCAD085-E8A6-8845-BD4E-CB4CCA059FC4}" type="datetimeFigureOut">
               <a:rPr lang="en-US" smtClean="0"/>
-              <a:t>11/23/2025</a:t>
+              <a:t>11/24/2025</a:t>
             </a:fld>
             <a:endParaRPr lang="en-US"/>
           </a:p>
@@ -3420,7 +3421,7 @@
           <a:p>
             <a:fld id="{5BCAD085-E8A6-8845-BD4E-CB4CCA059FC4}" type="datetimeFigureOut">
               <a:rPr lang="en-US" smtClean="0"/>
-              <a:t>11/23/2025</a:t>
+              <a:t>11/24/2025</a:t>
             </a:fld>
             <a:endParaRPr lang="en-US"/>
           </a:p>
@@ -3732,7 +3733,7 @@
           <a:p>
             <a:fld id="{5BCAD085-E8A6-8845-BD4E-CB4CCA059FC4}" type="datetimeFigureOut">
               <a:rPr lang="en-US" smtClean="0"/>
-              <a:t>11/23/2025</a:t>
+              <a:t>11/24/2025</a:t>
             </a:fld>
             <a:endParaRPr lang="en-US"/>
           </a:p>
@@ -4114,7 +4115,7 @@
           <a:p>
             <a:fld id="{5BCAD085-E8A6-8845-BD4E-CB4CCA059FC4}" type="datetimeFigureOut">
               <a:rPr lang="en-US" smtClean="0"/>
-              <a:t>11/23/2025</a:t>
+              <a:t>11/24/2025</a:t>
             </a:fld>
             <a:endParaRPr lang="en-US"/>
           </a:p>
@@ -4275,7 +4276,7 @@
           <a:p>
             <a:fld id="{5BCAD085-E8A6-8845-BD4E-CB4CCA059FC4}" type="datetimeFigureOut">
               <a:rPr lang="en-US" smtClean="0"/>
-              <a:t>11/23/2025</a:t>
+              <a:t>11/24/2025</a:t>
             </a:fld>
             <a:endParaRPr lang="en-US"/>
           </a:p>
@@ -4408,7 +4409,7 @@
           <a:p>
             <a:fld id="{5BCAD085-E8A6-8845-BD4E-CB4CCA059FC4}" type="datetimeFigureOut">
               <a:rPr lang="en-US" smtClean="0"/>
-              <a:t>11/23/2025</a:t>
+              <a:t>11/24/2025</a:t>
             </a:fld>
             <a:endParaRPr lang="en-US"/>
           </a:p>
@@ -4663,7 +4664,7 @@
           <a:p>
             <a:fld id="{5BCAD085-E8A6-8845-BD4E-CB4CCA059FC4}" type="datetimeFigureOut">
               <a:rPr lang="en-US" smtClean="0"/>
-              <a:t>11/23/2025</a:t>
+              <a:t>11/24/2025</a:t>
             </a:fld>
             <a:endParaRPr lang="en-US"/>
           </a:p>
@@ -4984,7 +4985,7 @@
           <a:p>
             <a:fld id="{5BCAD085-E8A6-8845-BD4E-CB4CCA059FC4}" type="datetimeFigureOut">
               <a:rPr lang="en-US" smtClean="0"/>
-              <a:t>11/23/2025</a:t>
+              <a:t>11/24/2025</a:t>
             </a:fld>
             <a:endParaRPr lang="en-US"/>
           </a:p>
@@ -5228,7 +5229,7 @@
           <a:p>
             <a:fld id="{5BCAD085-E8A6-8845-BD4E-CB4CCA059FC4}" type="datetimeFigureOut">
               <a:rPr lang="en-US" smtClean="0"/>
-              <a:t>11/23/2025</a:t>
+              <a:t>11/24/2025</a:t>
             </a:fld>
             <a:endParaRPr lang="en-US"/>
           </a:p>
@@ -5869,7 +5870,7 @@
               </a:defRPr>
             </a:pPr>
             <a:r>
-              <a:t>Recursividad de Cola</a:t>
+              <a:t>Divide y Vencerás</a:t>
             </a:r>
           </a:p>
         </p:txBody>
@@ -5902,11 +5903,11 @@
             </a:pPr>
             <a:r>
               <a:rPr dirty="0"/>
-              <a:t>• La </a:t>
-            </a:r>
-            <a:r>
-              <a:rPr dirty="0" err="1"/>
-              <a:t>llamada</a:t>
+              <a:t>• </a:t>
+            </a:r>
+            <a:r>
+              <a:rPr dirty="0" err="1"/>
+              <a:t>Problemas</a:t>
             </a:r>
             <a:r>
               <a:rPr dirty="0"/>
@@ -5914,15 +5915,15 @@
             </a:r>
             <a:r>
               <a:rPr dirty="0" err="1"/>
-              <a:t>recursiva</a:t>
-            </a:r>
-            <a:r>
-              <a:rPr dirty="0"/>
-              <a:t> es la </a:t>
-            </a:r>
-            <a:r>
-              <a:rPr dirty="0" err="1"/>
-              <a:t>última</a:t>
+              <a:t>grandes</a:t>
+            </a:r>
+            <a:r>
+              <a:rPr dirty="0"/>
+              <a:t> → </a:t>
+            </a:r>
+            <a:r>
+              <a:rPr dirty="0" err="1"/>
+              <a:t>subproblemas</a:t>
             </a:r>
             <a:r>
               <a:rPr dirty="0"/>
@@ -5930,7 +5931,7 @@
             </a:r>
             <a:r>
               <a:rPr dirty="0" err="1"/>
-              <a:t>instrucción</a:t>
+              <a:t>pequeños</a:t>
             </a:r>
             <a:r>
               <a:rPr dirty="0"/>
@@ -5952,7 +5953,23 @@
             </a:r>
             <a:r>
               <a:rPr dirty="0" err="1"/>
-              <a:t>Permite</a:t>
+              <a:t>Ejemplos</a:t>
+            </a:r>
+            <a:r>
+              <a:rPr dirty="0"/>
+              <a:t>: Quicksort, </a:t>
+            </a:r>
+            <a:r>
+              <a:rPr dirty="0" err="1"/>
+              <a:t>Mergesort</a:t>
+            </a:r>
+            <a:r>
+              <a:rPr dirty="0"/>
+              <a:t>, </a:t>
+            </a:r>
+            <a:r>
+              <a:rPr dirty="0" err="1"/>
+              <a:t>Búsqueda</a:t>
             </a:r>
             <a:r>
               <a:rPr dirty="0"/>
@@ -5960,15 +5977,7 @@
             </a:r>
             <a:r>
               <a:rPr dirty="0" err="1"/>
-              <a:t>optimización</a:t>
-            </a:r>
-            <a:r>
-              <a:rPr dirty="0"/>
-              <a:t> de </a:t>
-            </a:r>
-            <a:r>
-              <a:rPr dirty="0" err="1"/>
-              <a:t>memoria</a:t>
+              <a:t>binaria</a:t>
             </a:r>
             <a:r>
               <a:rPr dirty="0"/>
@@ -5986,11 +5995,19 @@
             </a:pPr>
             <a:r>
               <a:rPr dirty="0"/>
-              <a:t>• No </a:t>
-            </a:r>
-            <a:r>
-              <a:rPr dirty="0" err="1"/>
-              <a:t>implementada</a:t>
+              <a:t>• </a:t>
+            </a:r>
+            <a:r>
+              <a:rPr dirty="0" err="1"/>
+              <a:t>Recursividad</a:t>
+            </a:r>
+            <a:r>
+              <a:rPr dirty="0"/>
+              <a:t> = clave </a:t>
+            </a:r>
+            <a:r>
+              <a:rPr dirty="0" err="1"/>
+              <a:t>en</a:t>
             </a:r>
             <a:r>
               <a:rPr dirty="0"/>
@@ -5998,15 +6015,7 @@
             </a:r>
             <a:r>
               <a:rPr dirty="0" err="1"/>
-              <a:t>por</a:t>
-            </a:r>
-            <a:r>
-              <a:rPr dirty="0"/>
-              <a:t> Python </a:t>
-            </a:r>
-            <a:r>
-              <a:rPr dirty="0" err="1"/>
-              <a:t>pero</a:t>
+              <a:t>el</a:t>
             </a:r>
             <a:r>
               <a:rPr dirty="0"/>
@@ -6014,31 +6023,7 @@
             </a:r>
             <a:r>
               <a:rPr dirty="0" err="1"/>
-              <a:t>útil</a:t>
-            </a:r>
-            <a:r>
-              <a:rPr dirty="0"/>
-              <a:t> </a:t>
-            </a:r>
-            <a:r>
-              <a:rPr dirty="0" err="1"/>
-              <a:t>en</a:t>
-            </a:r>
-            <a:r>
-              <a:rPr dirty="0"/>
-              <a:t> </a:t>
-            </a:r>
-            <a:r>
-              <a:rPr dirty="0" err="1"/>
-              <a:t>otros</a:t>
-            </a:r>
-            <a:r>
-              <a:rPr dirty="0"/>
-              <a:t> </a:t>
-            </a:r>
-            <a:r>
-              <a:rPr dirty="0" err="1"/>
-              <a:t>lenguajes</a:t>
+              <a:t>rendimiento</a:t>
             </a:r>
             <a:r>
               <a:rPr dirty="0"/>
@@ -6095,7 +6080,7 @@
               </a:defRPr>
             </a:pPr>
             <a:r>
-              <a:t>Aplicaciones Reales</a:t>
+              <a:t>Recursividad de Cola</a:t>
             </a:r>
           </a:p>
         </p:txBody>
@@ -6128,7 +6113,39 @@
             </a:pPr>
             <a:r>
               <a:rPr dirty="0"/>
-              <a:t>• Web scraping y crawling.</a:t>
+              <a:t>• La </a:t>
+            </a:r>
+            <a:r>
+              <a:rPr dirty="0" err="1"/>
+              <a:t>llamada</a:t>
+            </a:r>
+            <a:r>
+              <a:rPr dirty="0"/>
+              <a:t> </a:t>
+            </a:r>
+            <a:r>
+              <a:rPr dirty="0" err="1"/>
+              <a:t>recursiva</a:t>
+            </a:r>
+            <a:r>
+              <a:rPr dirty="0"/>
+              <a:t> es la </a:t>
+            </a:r>
+            <a:r>
+              <a:rPr dirty="0" err="1"/>
+              <a:t>última</a:t>
+            </a:r>
+            <a:r>
+              <a:rPr dirty="0"/>
+              <a:t> </a:t>
+            </a:r>
+            <a:r>
+              <a:rPr dirty="0" err="1"/>
+              <a:t>instrucción</a:t>
+            </a:r>
+            <a:r>
+              <a:rPr dirty="0"/>
+              <a:t>.</a:t>
             </a:r>
           </a:p>
           <a:p>
@@ -6146,7 +6163,15 @@
             </a:r>
             <a:r>
               <a:rPr dirty="0" err="1"/>
-              <a:t>Procesamiento</a:t>
+              <a:t>Permite</a:t>
+            </a:r>
+            <a:r>
+              <a:rPr dirty="0"/>
+              <a:t> </a:t>
+            </a:r>
+            <a:r>
+              <a:rPr dirty="0" err="1"/>
+              <a:t>optimización</a:t>
             </a:r>
             <a:r>
               <a:rPr dirty="0"/>
@@ -6154,7 +6179,7 @@
             </a:r>
             <a:r>
               <a:rPr dirty="0" err="1"/>
-              <a:t>imágenes</a:t>
+              <a:t>memoria</a:t>
             </a:r>
             <a:r>
               <a:rPr dirty="0"/>
@@ -6172,49 +6197,11 @@
             </a:pPr>
             <a:r>
               <a:rPr dirty="0"/>
-              <a:t>• </a:t>
-            </a:r>
-            <a:r>
-              <a:rPr dirty="0" err="1"/>
-              <a:t>Inteligencia</a:t>
-            </a:r>
-            <a:r>
-              <a:rPr dirty="0"/>
-              <a:t> artificial y redes.</a:t>
-            </a:r>
-          </a:p>
-          <a:p>
-            <a:pPr marL="0" indent="0">
-              <a:buNone/>
-              <a:defRPr sz="2400">
-                <a:solidFill>
-                  <a:srgbClr val="3C3C3C"/>
-                </a:solidFill>
-              </a:defRPr>
-            </a:pPr>
-            <a:r>
-              <a:rPr dirty="0"/>
-              <a:t>• </a:t>
-            </a:r>
-            <a:r>
-              <a:rPr dirty="0" err="1"/>
-              <a:t>Compresión</a:t>
-            </a:r>
-            <a:r>
-              <a:rPr dirty="0"/>
-              <a:t> de </a:t>
-            </a:r>
-            <a:r>
-              <a:rPr dirty="0" err="1"/>
-              <a:t>datos</a:t>
-            </a:r>
-            <a:r>
-              <a:rPr dirty="0"/>
-              <a:t> y </a:t>
-            </a:r>
-            <a:r>
-              <a:rPr dirty="0" err="1"/>
-              <a:t>estructuras</a:t>
+              <a:t>• No </a:t>
+            </a:r>
+            <a:r>
+              <a:rPr dirty="0" err="1"/>
+              <a:t>implementada</a:t>
             </a:r>
             <a:r>
               <a:rPr dirty="0"/>
@@ -6222,7 +6209,47 @@
             </a:r>
             <a:r>
               <a:rPr dirty="0" err="1"/>
-              <a:t>jerárquicas</a:t>
+              <a:t>por</a:t>
+            </a:r>
+            <a:r>
+              <a:rPr dirty="0"/>
+              <a:t> Python </a:t>
+            </a:r>
+            <a:r>
+              <a:rPr dirty="0" err="1"/>
+              <a:t>pero</a:t>
+            </a:r>
+            <a:r>
+              <a:rPr dirty="0"/>
+              <a:t> </a:t>
+            </a:r>
+            <a:r>
+              <a:rPr dirty="0" err="1"/>
+              <a:t>útil</a:t>
+            </a:r>
+            <a:r>
+              <a:rPr dirty="0"/>
+              <a:t> </a:t>
+            </a:r>
+            <a:r>
+              <a:rPr dirty="0" err="1"/>
+              <a:t>en</a:t>
+            </a:r>
+            <a:r>
+              <a:rPr dirty="0"/>
+              <a:t> </a:t>
+            </a:r>
+            <a:r>
+              <a:rPr dirty="0" err="1"/>
+              <a:t>otros</a:t>
+            </a:r>
+            <a:r>
+              <a:rPr dirty="0"/>
+              <a:t> </a:t>
+            </a:r>
+            <a:r>
+              <a:rPr dirty="0" err="1"/>
+              <a:t>lenguajes</a:t>
             </a:r>
             <a:r>
               <a:rPr dirty="0"/>
@@ -6268,9 +6295,7 @@
         </p:nvSpPr>
         <p:spPr/>
         <p:txBody>
-          <a:bodyPr>
-            <a:normAutofit fontScale="90000"/>
-          </a:bodyPr>
+          <a:bodyPr/>
           <a:lstStyle/>
           <a:p>
             <a:pPr>
@@ -6281,7 +6306,7 @@
               </a:defRPr>
             </a:pPr>
             <a:r>
-              <a:t>Cuándo NO usar Recursividad</a:t>
+              <a:t>Aplicaciones Reales</a:t>
             </a:r>
           </a:p>
         </p:txBody>
@@ -6314,11 +6339,93 @@
             </a:pPr>
             <a:r>
               <a:rPr dirty="0"/>
-              <a:t>• Cuando </a:t>
-            </a:r>
-            <a:r>
-              <a:rPr dirty="0" err="1"/>
-              <a:t>una</a:t>
+              <a:t>• Web scraping y crawling.</a:t>
+            </a:r>
+          </a:p>
+          <a:p>
+            <a:pPr marL="0" indent="0">
+              <a:buNone/>
+              <a:defRPr sz="2400">
+                <a:solidFill>
+                  <a:srgbClr val="3C3C3C"/>
+                </a:solidFill>
+              </a:defRPr>
+            </a:pPr>
+            <a:r>
+              <a:rPr dirty="0"/>
+              <a:t>• </a:t>
+            </a:r>
+            <a:r>
+              <a:rPr dirty="0" err="1"/>
+              <a:t>Procesamiento</a:t>
+            </a:r>
+            <a:r>
+              <a:rPr dirty="0"/>
+              <a:t> de </a:t>
+            </a:r>
+            <a:r>
+              <a:rPr dirty="0" err="1"/>
+              <a:t>imágenes</a:t>
+            </a:r>
+            <a:r>
+              <a:rPr dirty="0"/>
+              <a:t>.</a:t>
+            </a:r>
+          </a:p>
+          <a:p>
+            <a:pPr marL="0" indent="0">
+              <a:buNone/>
+              <a:defRPr sz="2400">
+                <a:solidFill>
+                  <a:srgbClr val="3C3C3C"/>
+                </a:solidFill>
+              </a:defRPr>
+            </a:pPr>
+            <a:r>
+              <a:rPr dirty="0"/>
+              <a:t>• </a:t>
+            </a:r>
+            <a:r>
+              <a:rPr dirty="0" err="1"/>
+              <a:t>Inteligencia</a:t>
+            </a:r>
+            <a:r>
+              <a:rPr dirty="0"/>
+              <a:t> artificial y redes.</a:t>
+            </a:r>
+          </a:p>
+          <a:p>
+            <a:pPr marL="0" indent="0">
+              <a:buNone/>
+              <a:defRPr sz="2400">
+                <a:solidFill>
+                  <a:srgbClr val="3C3C3C"/>
+                </a:solidFill>
+              </a:defRPr>
+            </a:pPr>
+            <a:r>
+              <a:rPr dirty="0"/>
+              <a:t>• </a:t>
+            </a:r>
+            <a:r>
+              <a:rPr dirty="0" err="1"/>
+              <a:t>Compresión</a:t>
+            </a:r>
+            <a:r>
+              <a:rPr dirty="0"/>
+              <a:t> de </a:t>
+            </a:r>
+            <a:r>
+              <a:rPr dirty="0" err="1"/>
+              <a:t>datos</a:t>
+            </a:r>
+            <a:r>
+              <a:rPr dirty="0"/>
+              <a:t> y </a:t>
+            </a:r>
+            <a:r>
+              <a:rPr dirty="0" err="1"/>
+              <a:t>estructuras</a:t>
             </a:r>
             <a:r>
               <a:rPr dirty="0"/>
@@ -6326,115 +6433,7 @@
             </a:r>
             <a:r>
               <a:rPr dirty="0" err="1"/>
-              <a:t>solución</a:t>
-            </a:r>
-            <a:r>
-              <a:rPr dirty="0"/>
-              <a:t> </a:t>
-            </a:r>
-            <a:r>
-              <a:rPr dirty="0" err="1"/>
-              <a:t>iterativa</a:t>
-            </a:r>
-            <a:r>
-              <a:rPr dirty="0"/>
-              <a:t> es </a:t>
-            </a:r>
-            <a:r>
-              <a:rPr dirty="0" err="1"/>
-              <a:t>más</a:t>
-            </a:r>
-            <a:r>
-              <a:rPr dirty="0"/>
-              <a:t> </a:t>
-            </a:r>
-            <a:r>
-              <a:rPr dirty="0" err="1"/>
-              <a:t>eficiente</a:t>
-            </a:r>
-            <a:r>
-              <a:rPr dirty="0"/>
-              <a:t>.</a:t>
-            </a:r>
-          </a:p>
-          <a:p>
-            <a:pPr marL="0" indent="0">
-              <a:buNone/>
-              <a:defRPr sz="2400">
-                <a:solidFill>
-                  <a:srgbClr val="3C3C3C"/>
-                </a:solidFill>
-              </a:defRPr>
-            </a:pPr>
-            <a:r>
-              <a:rPr dirty="0"/>
-              <a:t>• Cuando la </a:t>
-            </a:r>
-            <a:r>
-              <a:rPr dirty="0" err="1"/>
-              <a:t>profundidad</a:t>
-            </a:r>
-            <a:r>
-              <a:rPr dirty="0"/>
-              <a:t> es </a:t>
-            </a:r>
-            <a:r>
-              <a:rPr dirty="0" err="1"/>
-              <a:t>muy</a:t>
-            </a:r>
-            <a:r>
-              <a:rPr dirty="0"/>
-              <a:t> </a:t>
-            </a:r>
-            <a:r>
-              <a:rPr dirty="0" err="1"/>
-              <a:t>grande</a:t>
-            </a:r>
-            <a:r>
-              <a:rPr dirty="0"/>
-              <a:t>.</a:t>
-            </a:r>
-          </a:p>
-          <a:p>
-            <a:pPr marL="0" indent="0">
-              <a:buNone/>
-              <a:defRPr sz="2400">
-                <a:solidFill>
-                  <a:srgbClr val="3C3C3C"/>
-                </a:solidFill>
-              </a:defRPr>
-            </a:pPr>
-            <a:r>
-              <a:rPr dirty="0"/>
-              <a:t>• Si </a:t>
-            </a:r>
-            <a:r>
-              <a:rPr dirty="0" err="1"/>
-              <a:t>el</a:t>
-            </a:r>
-            <a:r>
-              <a:rPr dirty="0"/>
-              <a:t> </a:t>
-            </a:r>
-            <a:r>
-              <a:rPr dirty="0" err="1"/>
-              <a:t>problema</a:t>
-            </a:r>
-            <a:r>
-              <a:rPr dirty="0"/>
-              <a:t> no es </a:t>
-            </a:r>
-            <a:r>
-              <a:rPr dirty="0" err="1"/>
-              <a:t>naturalmente</a:t>
-            </a:r>
-            <a:r>
-              <a:rPr dirty="0"/>
-              <a:t> </a:t>
-            </a:r>
-            <a:r>
-              <a:rPr dirty="0" err="1"/>
-              <a:t>recursivo</a:t>
+              <a:t>jerárquicas</a:t>
             </a:r>
             <a:r>
               <a:rPr dirty="0"/>
@@ -6480,7 +6479,9 @@
         </p:nvSpPr>
         <p:spPr/>
         <p:txBody>
-          <a:bodyPr/>
+          <a:bodyPr>
+            <a:normAutofit fontScale="90000"/>
+          </a:bodyPr>
           <a:lstStyle/>
           <a:p>
             <a:pPr>
@@ -6491,7 +6492,7 @@
               </a:defRPr>
             </a:pPr>
             <a:r>
-              <a:t>Conclusión</a:t>
+              <a:t>Cuándo NO usar Recursividad</a:t>
             </a:r>
           </a:p>
         </p:txBody>
@@ -6524,11 +6525,27 @@
             </a:pPr>
             <a:r>
               <a:rPr dirty="0"/>
-              <a:t>• La </a:t>
-            </a:r>
-            <a:r>
-              <a:rPr dirty="0" err="1"/>
-              <a:t>recursividad</a:t>
+              <a:t>• Cuando </a:t>
+            </a:r>
+            <a:r>
+              <a:rPr dirty="0" err="1"/>
+              <a:t>una</a:t>
+            </a:r>
+            <a:r>
+              <a:rPr dirty="0"/>
+              <a:t> </a:t>
+            </a:r>
+            <a:r>
+              <a:rPr dirty="0" err="1"/>
+              <a:t>solución</a:t>
+            </a:r>
+            <a:r>
+              <a:rPr dirty="0"/>
+              <a:t> </a:t>
+            </a:r>
+            <a:r>
+              <a:rPr dirty="0" err="1"/>
+              <a:t>iterativa</a:t>
             </a:r>
             <a:r>
               <a:rPr dirty="0"/>
@@ -6536,15 +6553,15 @@
             </a:r>
             <a:r>
               <a:rPr dirty="0" err="1"/>
-              <a:t>poderosa</a:t>
-            </a:r>
-            <a:r>
-              <a:rPr dirty="0"/>
-              <a:t> y </a:t>
-            </a:r>
-            <a:r>
-              <a:rPr dirty="0" err="1"/>
-              <a:t>versátil</a:t>
+              <a:t>más</a:t>
+            </a:r>
+            <a:r>
+              <a:rPr dirty="0"/>
+              <a:t> </a:t>
+            </a:r>
+            <a:r>
+              <a:rPr dirty="0" err="1"/>
+              <a:t>eficiente</a:t>
             </a:r>
             <a:r>
               <a:rPr dirty="0"/>
@@ -6562,19 +6579,19 @@
             </a:pPr>
             <a:r>
               <a:rPr dirty="0"/>
-              <a:t>• </a:t>
-            </a:r>
-            <a:r>
-              <a:rPr dirty="0" err="1"/>
-              <a:t>Permite</a:t>
-            </a:r>
-            <a:r>
-              <a:rPr dirty="0"/>
-              <a:t> resolver </a:t>
-            </a:r>
-            <a:r>
-              <a:rPr dirty="0" err="1"/>
-              <a:t>problemas</a:t>
+              <a:t>• Cuando la </a:t>
+            </a:r>
+            <a:r>
+              <a:rPr dirty="0" err="1"/>
+              <a:t>profundidad</a:t>
+            </a:r>
+            <a:r>
+              <a:rPr dirty="0"/>
+              <a:t> es </a:t>
+            </a:r>
+            <a:r>
+              <a:rPr dirty="0" err="1"/>
+              <a:t>muy</a:t>
             </a:r>
             <a:r>
               <a:rPr dirty="0"/>
@@ -6582,19 +6599,11 @@
             </a:r>
             <a:r>
               <a:rPr dirty="0" err="1"/>
-              <a:t>complejos</a:t>
-            </a:r>
-            <a:r>
-              <a:rPr dirty="0"/>
-              <a:t> con </a:t>
-            </a:r>
-            <a:r>
-              <a:rPr dirty="0" err="1"/>
-              <a:t>soluciones</a:t>
-            </a:r>
-            <a:r>
-              <a:rPr dirty="0"/>
-              <a:t> elegantes.</a:t>
+              <a:t>grande</a:t>
+            </a:r>
+            <a:r>
+              <a:rPr dirty="0"/>
+              <a:t>.</a:t>
             </a:r>
           </a:p>
           <a:p>
@@ -6608,35 +6617,35 @@
             </a:pPr>
             <a:r>
               <a:rPr dirty="0"/>
-              <a:t>• Es fundamental </a:t>
-            </a:r>
-            <a:r>
-              <a:rPr dirty="0" err="1"/>
-              <a:t>comprenderla</a:t>
-            </a:r>
-            <a:r>
-              <a:rPr dirty="0"/>
-              <a:t> para </a:t>
-            </a:r>
-            <a:r>
-              <a:rPr dirty="0" err="1"/>
-              <a:t>algoritmos</a:t>
-            </a:r>
-            <a:r>
-              <a:rPr dirty="0"/>
-              <a:t> y </a:t>
-            </a:r>
-            <a:r>
-              <a:rPr dirty="0" err="1"/>
-              <a:t>estructuras</a:t>
-            </a:r>
-            <a:r>
-              <a:rPr dirty="0"/>
-              <a:t> de </a:t>
-            </a:r>
-            <a:r>
-              <a:rPr dirty="0" err="1"/>
-              <a:t>datos</a:t>
+              <a:t>• Si </a:t>
+            </a:r>
+            <a:r>
+              <a:rPr dirty="0" err="1"/>
+              <a:t>el</a:t>
+            </a:r>
+            <a:r>
+              <a:rPr dirty="0"/>
+              <a:t> </a:t>
+            </a:r>
+            <a:r>
+              <a:rPr dirty="0" err="1"/>
+              <a:t>problema</a:t>
+            </a:r>
+            <a:r>
+              <a:rPr dirty="0"/>
+              <a:t> no es </a:t>
+            </a:r>
+            <a:r>
+              <a:rPr dirty="0" err="1"/>
+              <a:t>naturalmente</a:t>
+            </a:r>
+            <a:r>
+              <a:rPr dirty="0"/>
+              <a:t> </a:t>
+            </a:r>
+            <a:r>
+              <a:rPr dirty="0" err="1"/>
+              <a:t>recursivo</a:t>
             </a:r>
             <a:r>
               <a:rPr dirty="0"/>
@@ -6672,6 +6681,208 @@
       </p:grpSpPr>
       <p:sp>
         <p:nvSpPr>
+          <p:cNvPr id="2" name="Title 1"/>
+          <p:cNvSpPr>
+            <a:spLocks noGrp="1"/>
+          </p:cNvSpPr>
+          <p:nvPr>
+            <p:ph type="title"/>
+          </p:nvPr>
+        </p:nvSpPr>
+        <p:spPr/>
+        <p:txBody>
+          <a:bodyPr/>
+          <a:lstStyle/>
+          <a:p>
+            <a:pPr>
+              <a:defRPr sz="4400" b="1">
+                <a:solidFill>
+                  <a:srgbClr val="1E1E1E"/>
+                </a:solidFill>
+              </a:defRPr>
+            </a:pPr>
+            <a:r>
+              <a:t>Conclusión</a:t>
+            </a:r>
+          </a:p>
+        </p:txBody>
+      </p:sp>
+      <p:sp>
+        <p:nvSpPr>
+          <p:cNvPr id="3" name="Content Placeholder 2"/>
+          <p:cNvSpPr>
+            <a:spLocks noGrp="1"/>
+          </p:cNvSpPr>
+          <p:nvPr>
+            <p:ph idx="1"/>
+          </p:nvPr>
+        </p:nvSpPr>
+        <p:spPr/>
+        <p:txBody>
+          <a:bodyPr/>
+          <a:lstStyle/>
+          <a:p>
+            <a:endParaRPr dirty="0"/>
+          </a:p>
+          <a:p>
+            <a:pPr marL="0" indent="0">
+              <a:buNone/>
+              <a:defRPr sz="2400">
+                <a:solidFill>
+                  <a:srgbClr val="3C3C3C"/>
+                </a:solidFill>
+              </a:defRPr>
+            </a:pPr>
+            <a:r>
+              <a:rPr dirty="0"/>
+              <a:t>• La </a:t>
+            </a:r>
+            <a:r>
+              <a:rPr dirty="0" err="1"/>
+              <a:t>recursividad</a:t>
+            </a:r>
+            <a:r>
+              <a:rPr dirty="0"/>
+              <a:t> es </a:t>
+            </a:r>
+            <a:r>
+              <a:rPr dirty="0" err="1"/>
+              <a:t>poderosa</a:t>
+            </a:r>
+            <a:r>
+              <a:rPr dirty="0"/>
+              <a:t> y </a:t>
+            </a:r>
+            <a:r>
+              <a:rPr dirty="0" err="1"/>
+              <a:t>versátil</a:t>
+            </a:r>
+            <a:r>
+              <a:rPr dirty="0"/>
+              <a:t>.</a:t>
+            </a:r>
+          </a:p>
+          <a:p>
+            <a:pPr marL="0" indent="0">
+              <a:buNone/>
+              <a:defRPr sz="2400">
+                <a:solidFill>
+                  <a:srgbClr val="3C3C3C"/>
+                </a:solidFill>
+              </a:defRPr>
+            </a:pPr>
+            <a:r>
+              <a:rPr dirty="0"/>
+              <a:t>• </a:t>
+            </a:r>
+            <a:r>
+              <a:rPr dirty="0" err="1"/>
+              <a:t>Permite</a:t>
+            </a:r>
+            <a:r>
+              <a:rPr dirty="0"/>
+              <a:t> resolver </a:t>
+            </a:r>
+            <a:r>
+              <a:rPr dirty="0" err="1"/>
+              <a:t>problemas</a:t>
+            </a:r>
+            <a:r>
+              <a:rPr dirty="0"/>
+              <a:t> </a:t>
+            </a:r>
+            <a:r>
+              <a:rPr dirty="0" err="1"/>
+              <a:t>complejos</a:t>
+            </a:r>
+            <a:r>
+              <a:rPr dirty="0"/>
+              <a:t> con </a:t>
+            </a:r>
+            <a:r>
+              <a:rPr dirty="0" err="1"/>
+              <a:t>soluciones</a:t>
+            </a:r>
+            <a:r>
+              <a:rPr dirty="0"/>
+              <a:t> elegantes.</a:t>
+            </a:r>
+          </a:p>
+          <a:p>
+            <a:pPr marL="0" indent="0">
+              <a:buNone/>
+              <a:defRPr sz="2400">
+                <a:solidFill>
+                  <a:srgbClr val="3C3C3C"/>
+                </a:solidFill>
+              </a:defRPr>
+            </a:pPr>
+            <a:r>
+              <a:rPr dirty="0"/>
+              <a:t>• Es fundamental </a:t>
+            </a:r>
+            <a:r>
+              <a:rPr dirty="0" err="1"/>
+              <a:t>comprenderla</a:t>
+            </a:r>
+            <a:r>
+              <a:rPr dirty="0"/>
+              <a:t> para </a:t>
+            </a:r>
+            <a:r>
+              <a:rPr dirty="0" err="1"/>
+              <a:t>algoritmos</a:t>
+            </a:r>
+            <a:r>
+              <a:rPr dirty="0"/>
+              <a:t> y </a:t>
+            </a:r>
+            <a:r>
+              <a:rPr dirty="0" err="1"/>
+              <a:t>estructuras</a:t>
+            </a:r>
+            <a:r>
+              <a:rPr dirty="0"/>
+              <a:t> de </a:t>
+            </a:r>
+            <a:r>
+              <a:rPr dirty="0" err="1"/>
+              <a:t>datos</a:t>
+            </a:r>
+            <a:r>
+              <a:rPr dirty="0"/>
+              <a:t>.</a:t>
+            </a:r>
+          </a:p>
+        </p:txBody>
+      </p:sp>
+    </p:spTree>
+  </p:cSld>
+  <p:clrMapOvr>
+    <a:masterClrMapping/>
+  </p:clrMapOvr>
+</p:sld>
+</file>
+
+<file path=ppt/slides/slide15.xml><?xml version="1.0" encoding="utf-8"?>
+<p:sld xmlns:a="http://schemas.openxmlformats.org/drawingml/2006/main" xmlns:r="http://schemas.openxmlformats.org/officeDocument/2006/relationships" xmlns:p="http://schemas.openxmlformats.org/presentationml/2006/main">
+  <p:cSld>
+    <p:spTree>
+      <p:nvGrpSpPr>
+        <p:cNvPr id="1" name=""/>
+        <p:cNvGrpSpPr/>
+        <p:nvPr/>
+      </p:nvGrpSpPr>
+      <p:grpSpPr>
+        <a:xfrm>
+          <a:off x="0" y="0"/>
+          <a:ext cx="0" cy="0"/>
+          <a:chOff x="0" y="0"/>
+          <a:chExt cx="0" cy="0"/>
+        </a:xfrm>
+      </p:grpSpPr>
+      <p:sp>
+        <p:nvSpPr>
           <p:cNvPr id="2" name="Título 1">
             <a:extLst>
               <a:ext uri="{FF2B5EF4-FFF2-40B4-BE49-F238E27FC236}">
@@ -6766,7 +6977,7 @@
 </p:sld>
 </file>
 
-<file path=ppt/slides/slide15.xml><?xml version="1.0" encoding="utf-8"?>
+<file path=ppt/slides/slide16.xml><?xml version="1.0" encoding="utf-8"?>
 <p:sld xmlns:a="http://schemas.openxmlformats.org/drawingml/2006/main" xmlns:r="http://schemas.openxmlformats.org/officeDocument/2006/relationships" xmlns:p="http://schemas.openxmlformats.org/presentationml/2006/main">
   <p:cSld>
     <p:spTree>
@@ -6876,238 +7087,425 @@
       </p:grpSpPr>
       <p:sp>
         <p:nvSpPr>
-          <p:cNvPr id="2" name="Title 1"/>
-          <p:cNvSpPr>
-            <a:spLocks noGrp="1"/>
-          </p:cNvSpPr>
-          <p:nvPr>
-            <p:ph type="title"/>
-          </p:nvPr>
-        </p:nvSpPr>
-        <p:spPr/>
-        <p:txBody>
-          <a:bodyPr/>
-          <a:lstStyle/>
-          <a:p>
-            <a:pPr>
-              <a:defRPr sz="4400" b="1">
-                <a:solidFill>
-                  <a:srgbClr val="1E1E1E"/>
-                </a:solidFill>
-              </a:defRPr>
-            </a:pPr>
-            <a:r>
-              <a:t>Introducción</a:t>
-            </a:r>
-          </a:p>
-        </p:txBody>
-      </p:sp>
-      <p:sp>
-        <p:nvSpPr>
-          <p:cNvPr id="3" name="Content Placeholder 2"/>
-          <p:cNvSpPr>
-            <a:spLocks noGrp="1"/>
-          </p:cNvSpPr>
-          <p:nvPr>
-            <p:ph idx="1"/>
-          </p:nvPr>
-        </p:nvSpPr>
-        <p:spPr/>
-        <p:txBody>
-          <a:bodyPr/>
-          <a:lstStyle/>
-          <a:p>
-            <a:endParaRPr dirty="0"/>
-          </a:p>
-          <a:p>
-            <a:pPr marL="0" indent="0">
-              <a:buNone/>
-              <a:defRPr sz="2400">
-                <a:solidFill>
-                  <a:srgbClr val="3C3C3C"/>
-                </a:solidFill>
-              </a:defRPr>
-            </a:pPr>
-            <a:r>
-              <a:rPr dirty="0"/>
-              <a:t>• La </a:t>
-            </a:r>
-            <a:r>
-              <a:rPr dirty="0" err="1"/>
-              <a:t>recursividad</a:t>
-            </a:r>
-            <a:r>
-              <a:rPr dirty="0"/>
-              <a:t> </a:t>
-            </a:r>
-            <a:r>
-              <a:rPr dirty="0" err="1"/>
-              <a:t>permite</a:t>
-            </a:r>
-            <a:r>
-              <a:rPr dirty="0"/>
-              <a:t> resolver </a:t>
-            </a:r>
-            <a:r>
-              <a:rPr dirty="0" err="1"/>
-              <a:t>problemas</a:t>
-            </a:r>
-            <a:r>
-              <a:rPr dirty="0"/>
-              <a:t> </a:t>
-            </a:r>
-            <a:r>
-              <a:rPr dirty="0" err="1"/>
-              <a:t>dividiendo</a:t>
-            </a:r>
-            <a:r>
-              <a:rPr dirty="0"/>
-              <a:t> </a:t>
-            </a:r>
-            <a:r>
-              <a:rPr dirty="0" err="1"/>
-              <a:t>el</a:t>
-            </a:r>
-            <a:r>
-              <a:rPr dirty="0"/>
-              <a:t> </a:t>
-            </a:r>
-            <a:r>
-              <a:rPr dirty="0" err="1"/>
-              <a:t>problema</a:t>
-            </a:r>
-            <a:r>
-              <a:rPr dirty="0"/>
-              <a:t> </a:t>
-            </a:r>
-            <a:r>
-              <a:rPr dirty="0" err="1"/>
-              <a:t>en</a:t>
-            </a:r>
-            <a:r>
-              <a:rPr dirty="0"/>
-              <a:t> </a:t>
-            </a:r>
-            <a:r>
-              <a:rPr dirty="0" err="1"/>
-              <a:t>subproblemas</a:t>
-            </a:r>
-            <a:r>
-              <a:rPr dirty="0"/>
-              <a:t>.</a:t>
-            </a:r>
-          </a:p>
-          <a:p>
-            <a:pPr marL="0" indent="0">
-              <a:buNone/>
-              <a:defRPr sz="2400">
-                <a:solidFill>
-                  <a:srgbClr val="3C3C3C"/>
-                </a:solidFill>
-              </a:defRPr>
-            </a:pPr>
-            <a:r>
-              <a:rPr dirty="0"/>
-              <a:t>• Fundamental </a:t>
-            </a:r>
-            <a:r>
-              <a:rPr dirty="0" err="1"/>
-              <a:t>en</a:t>
-            </a:r>
-            <a:r>
-              <a:rPr dirty="0"/>
-              <a:t> </a:t>
-            </a:r>
-            <a:r>
-              <a:rPr dirty="0" err="1"/>
-              <a:t>programación</a:t>
-            </a:r>
-            <a:r>
-              <a:rPr dirty="0"/>
-              <a:t>, </a:t>
-            </a:r>
-            <a:r>
-              <a:rPr dirty="0" err="1"/>
-              <a:t>matemáticas</a:t>
-            </a:r>
-            <a:r>
-              <a:rPr dirty="0"/>
-              <a:t> y </a:t>
-            </a:r>
-            <a:r>
-              <a:rPr dirty="0" err="1"/>
-              <a:t>estructuras</a:t>
-            </a:r>
-            <a:r>
-              <a:rPr dirty="0"/>
-              <a:t> de </a:t>
-            </a:r>
-            <a:r>
-              <a:rPr dirty="0" err="1"/>
-              <a:t>datos</a:t>
-            </a:r>
-            <a:r>
-              <a:rPr dirty="0"/>
-              <a:t>.</a:t>
-            </a:r>
-          </a:p>
-          <a:p>
-            <a:pPr marL="0" indent="0">
-              <a:buNone/>
-              <a:defRPr sz="2400">
-                <a:solidFill>
-                  <a:srgbClr val="3C3C3C"/>
-                </a:solidFill>
-              </a:defRPr>
-            </a:pPr>
-            <a:r>
-              <a:rPr dirty="0"/>
-              <a:t>• </a:t>
-            </a:r>
-            <a:r>
-              <a:rPr dirty="0" err="1"/>
-              <a:t>Refleja</a:t>
-            </a:r>
-            <a:r>
-              <a:rPr dirty="0"/>
-              <a:t> </a:t>
-            </a:r>
-            <a:r>
-              <a:rPr dirty="0" err="1"/>
-              <a:t>comportamientos</a:t>
-            </a:r>
-            <a:r>
-              <a:rPr dirty="0"/>
-              <a:t> naturales </a:t>
-            </a:r>
-            <a:r>
-              <a:rPr dirty="0" err="1"/>
-              <a:t>como</a:t>
-            </a:r>
-            <a:r>
-              <a:rPr dirty="0"/>
-              <a:t> </a:t>
-            </a:r>
-            <a:r>
-              <a:rPr dirty="0" err="1"/>
-              <a:t>los</a:t>
-            </a:r>
-            <a:r>
-              <a:rPr dirty="0"/>
-              <a:t> </a:t>
-            </a:r>
-            <a:r>
-              <a:rPr dirty="0" err="1"/>
-              <a:t>fractales</a:t>
-            </a:r>
-            <a:r>
-              <a:rPr dirty="0"/>
-              <a:t>.</a:t>
-            </a:r>
-          </a:p>
-        </p:txBody>
+          <p:cNvPr id="4" name="CuadroTexto 3">
+            <a:extLst>
+              <a:ext uri="{FF2B5EF4-FFF2-40B4-BE49-F238E27FC236}">
+                <a16:creationId xmlns:a16="http://schemas.microsoft.com/office/drawing/2014/main" id="{A85B9911-BC65-8B86-9828-543004C7C16F}"/>
+              </a:ext>
+            </a:extLst>
+          </p:cNvPr>
+          <p:cNvSpPr txBox="1"/>
+          <p:nvPr/>
+        </p:nvSpPr>
+        <p:spPr>
+          <a:xfrm>
+            <a:off x="688368" y="1590247"/>
+            <a:ext cx="7962471" cy="4524315"/>
+          </a:xfrm>
+          <a:prstGeom prst="rect">
+            <a:avLst/>
+          </a:prstGeom>
+          <a:noFill/>
+        </p:spPr>
+        <p:txBody>
+          <a:bodyPr wrap="square">
+            <a:spAutoFit/>
+          </a:bodyPr>
+          <a:lstStyle/>
+          <a:p>
+            <a:pPr algn="ctr" rtl="0"/>
+            <a:r>
+              <a:rPr lang="es-MX" sz="1600" b="0" i="0" dirty="0">
+                <a:effectLst/>
+                <a:latin typeface="Arial Black" panose="020B0A04020102020204" pitchFamily="34" charset="0"/>
+              </a:rPr>
+              <a:t>Instituto Tecnológico de Frontera Comalapa</a:t>
+            </a:r>
+            <a:endParaRPr lang="es-MX" sz="1600" dirty="0">
+              <a:effectLst/>
+              <a:latin typeface="Arial Black" panose="020B0A04020102020204" pitchFamily="34" charset="0"/>
+            </a:endParaRPr>
+          </a:p>
+          <a:p>
+            <a:pPr algn="ctr" rtl="0"/>
+            <a:r>
+              <a:rPr lang="es-MX" sz="1600" b="0" i="0" dirty="0">
+                <a:effectLst/>
+                <a:latin typeface="Arial Black" panose="020B0A04020102020204" pitchFamily="34" charset="0"/>
+              </a:rPr>
+              <a:t>Modalidad Mixta</a:t>
+            </a:r>
+          </a:p>
+          <a:p>
+            <a:pPr algn="ctr" rtl="0"/>
+            <a:endParaRPr lang="es-MX" sz="1600" dirty="0">
+              <a:effectLst/>
+              <a:latin typeface="Arial Black" panose="020B0A04020102020204" pitchFamily="34" charset="0"/>
+            </a:endParaRPr>
+          </a:p>
+          <a:p>
+            <a:pPr algn="ctr" rtl="0"/>
+            <a:r>
+              <a:rPr lang="es-MX" sz="1600" b="0" i="0" dirty="0">
+                <a:effectLst/>
+                <a:latin typeface="Bahnschrift" panose="020B0502040204020203" pitchFamily="34" charset="0"/>
+              </a:rPr>
+              <a:t>Materia:</a:t>
+            </a:r>
+            <a:endParaRPr lang="es-MX" sz="1600" dirty="0">
+              <a:effectLst/>
+              <a:latin typeface="Bahnschrift" panose="020B0502040204020203" pitchFamily="34" charset="0"/>
+            </a:endParaRPr>
+          </a:p>
+          <a:p>
+            <a:pPr algn="ctr" rtl="0"/>
+            <a:r>
+              <a:rPr lang="es-MX" sz="1600" b="0" i="0" dirty="0">
+                <a:effectLst/>
+                <a:latin typeface="Bahnschrift" panose="020B0502040204020203" pitchFamily="34" charset="0"/>
+              </a:rPr>
+              <a:t>Redes De Computadoras</a:t>
+            </a:r>
+            <a:endParaRPr lang="es-MX" sz="1600" dirty="0">
+              <a:effectLst/>
+              <a:latin typeface="Bahnschrift" panose="020B0502040204020203" pitchFamily="34" charset="0"/>
+            </a:endParaRPr>
+          </a:p>
+          <a:p>
+            <a:pPr algn="ctr" rtl="0"/>
+            <a:r>
+              <a:rPr lang="es-MX" sz="1600" b="0" i="0" dirty="0">
+                <a:effectLst/>
+                <a:latin typeface="Bahnschrift" panose="020B0502040204020203" pitchFamily="34" charset="0"/>
+              </a:rPr>
+              <a:t>Semestre: </a:t>
+            </a:r>
+            <a:endParaRPr lang="es-MX" sz="1600" dirty="0">
+              <a:effectLst/>
+              <a:latin typeface="Bahnschrift" panose="020B0502040204020203" pitchFamily="34" charset="0"/>
+            </a:endParaRPr>
+          </a:p>
+          <a:p>
+            <a:pPr algn="ctr" rtl="0"/>
+            <a:r>
+              <a:rPr lang="es-MX" sz="1600" b="0" i="0" dirty="0">
+                <a:effectLst/>
+                <a:latin typeface="Bahnschrift" panose="020B0502040204020203" pitchFamily="34" charset="0"/>
+              </a:rPr>
+              <a:t>Quinto semestre </a:t>
+            </a:r>
+            <a:endParaRPr lang="es-MX" sz="1600" dirty="0">
+              <a:effectLst/>
+              <a:latin typeface="Bahnschrift" panose="020B0502040204020203" pitchFamily="34" charset="0"/>
+            </a:endParaRPr>
+          </a:p>
+          <a:p>
+            <a:pPr algn="ctr" rtl="0"/>
+            <a:r>
+              <a:rPr lang="es-MX" sz="1600" b="0" i="0" dirty="0">
+                <a:effectLst/>
+                <a:latin typeface="Bahnschrift" panose="020B0502040204020203" pitchFamily="34" charset="0"/>
+              </a:rPr>
+              <a:t>Especialidad:</a:t>
+            </a:r>
+            <a:endParaRPr lang="es-MX" sz="1600" dirty="0">
+              <a:effectLst/>
+              <a:latin typeface="Bahnschrift" panose="020B0502040204020203" pitchFamily="34" charset="0"/>
+            </a:endParaRPr>
+          </a:p>
+          <a:p>
+            <a:pPr algn="ctr" rtl="0"/>
+            <a:r>
+              <a:rPr lang="es-MX" sz="1600" b="0" i="0" dirty="0">
+                <a:effectLst/>
+                <a:latin typeface="Bahnschrift" panose="020B0502040204020203" pitchFamily="34" charset="0"/>
+              </a:rPr>
+              <a:t>Ingeniería en Sistemas Computacionales.</a:t>
+            </a:r>
+            <a:endParaRPr lang="es-MX" sz="1600" dirty="0">
+              <a:effectLst/>
+              <a:latin typeface="Bahnschrift" panose="020B0502040204020203" pitchFamily="34" charset="0"/>
+            </a:endParaRPr>
+          </a:p>
+          <a:p>
+            <a:pPr algn="ctr" rtl="0"/>
+            <a:r>
+              <a:rPr lang="es-MX" sz="1600" b="0" i="0" dirty="0">
+                <a:effectLst/>
+                <a:latin typeface="Bahnschrift" panose="020B0502040204020203" pitchFamily="34" charset="0"/>
+              </a:rPr>
+              <a:t>Nombre del alumno: </a:t>
+            </a:r>
+            <a:endParaRPr lang="es-MX" sz="1600" dirty="0">
+              <a:effectLst/>
+              <a:latin typeface="Bahnschrift" panose="020B0502040204020203" pitchFamily="34" charset="0"/>
+            </a:endParaRPr>
+          </a:p>
+          <a:p>
+            <a:pPr algn="ctr"/>
+            <a:r>
+              <a:rPr lang="es-MX" sz="1600" b="0" i="0" dirty="0">
+                <a:effectLst/>
+                <a:latin typeface="Bahnschrift" panose="020B0502040204020203" pitchFamily="34" charset="0"/>
+              </a:rPr>
+              <a:t>Cynthia Jasmine Morales Torres/231260014</a:t>
+            </a:r>
+            <a:endParaRPr lang="es-MX" sz="1600" dirty="0">
+              <a:effectLst/>
+              <a:latin typeface="Bahnschrift" panose="020B0502040204020203" pitchFamily="34" charset="0"/>
+            </a:endParaRPr>
+          </a:p>
+          <a:p>
+            <a:pPr algn="ctr" rtl="0"/>
+            <a:r>
+              <a:rPr lang="es-MX" sz="1600" b="0" i="0" dirty="0">
+                <a:effectLst/>
+                <a:latin typeface="Bahnschrift" panose="020B0502040204020203" pitchFamily="34" charset="0"/>
+              </a:rPr>
+              <a:t>Nombre del docente: </a:t>
+            </a:r>
+            <a:endParaRPr lang="es-MX" sz="1600" dirty="0">
+              <a:effectLst/>
+              <a:latin typeface="Bahnschrift" panose="020B0502040204020203" pitchFamily="34" charset="0"/>
+            </a:endParaRPr>
+          </a:p>
+          <a:p>
+            <a:pPr algn="ctr" rtl="0"/>
+            <a:r>
+              <a:rPr lang="es-MX" sz="1600" b="0" i="0" dirty="0">
+                <a:effectLst/>
+                <a:latin typeface="Bahnschrift" panose="020B0502040204020203" pitchFamily="34" charset="0"/>
+              </a:rPr>
+              <a:t>Ing. Francisco Javier Mingo Velázquez</a:t>
+            </a:r>
+            <a:endParaRPr lang="es-MX" sz="1600" dirty="0">
+              <a:effectLst/>
+              <a:latin typeface="Bahnschrift" panose="020B0502040204020203" pitchFamily="34" charset="0"/>
+            </a:endParaRPr>
+          </a:p>
+          <a:p>
+            <a:pPr algn="ctr" rtl="0"/>
+            <a:r>
+              <a:rPr lang="es-MX" sz="1600" b="0" i="0" dirty="0">
+                <a:effectLst/>
+                <a:latin typeface="Bahnschrift" panose="020B0502040204020203" pitchFamily="34" charset="0"/>
+              </a:rPr>
+              <a:t>Nombre del trabajo:</a:t>
+            </a:r>
+            <a:endParaRPr lang="es-MX" sz="1600" dirty="0">
+              <a:effectLst/>
+              <a:latin typeface="Bahnschrift" panose="020B0502040204020203" pitchFamily="34" charset="0"/>
+            </a:endParaRPr>
+          </a:p>
+          <a:p>
+            <a:pPr algn="ctr" rtl="0"/>
+            <a:r>
+              <a:rPr lang="es-MX" sz="1600" b="0" i="0" dirty="0">
+                <a:effectLst/>
+                <a:latin typeface="Bahnschrift" panose="020B0502040204020203" pitchFamily="34" charset="0"/>
+              </a:rPr>
+              <a:t>2.1 PRESENTACION ELECTRONICA</a:t>
+            </a:r>
+          </a:p>
+          <a:p>
+            <a:pPr algn="ctr" rtl="0"/>
+            <a:endParaRPr lang="es-MX" sz="1600" dirty="0">
+              <a:effectLst/>
+              <a:latin typeface="Arial Black" panose="020B0A04020102020204" pitchFamily="34" charset="0"/>
+            </a:endParaRPr>
+          </a:p>
+          <a:p>
+            <a:pPr algn="ctr" rtl="0"/>
+            <a:r>
+              <a:rPr lang="es-MX" sz="1600" b="0" i="0" dirty="0">
+                <a:effectLst/>
+                <a:latin typeface="Bahnschrift" panose="020B0502040204020203" pitchFamily="34" charset="0"/>
+              </a:rPr>
+              <a:t>Fecha de entrega:</a:t>
+            </a:r>
+            <a:endParaRPr lang="es-MX" sz="1600" dirty="0">
+              <a:effectLst/>
+              <a:latin typeface="Bahnschrift" panose="020B0502040204020203" pitchFamily="34" charset="0"/>
+            </a:endParaRPr>
+          </a:p>
+          <a:p>
+            <a:pPr algn="ctr" rtl="0"/>
+            <a:r>
+              <a:rPr lang="es-MX" sz="1600" b="0" i="0" dirty="0">
+                <a:effectLst/>
+                <a:latin typeface="Bahnschrift" panose="020B0502040204020203" pitchFamily="34" charset="0"/>
+              </a:rPr>
+              <a:t>Frontera Comalapa, Chiapas. A 25 de octubre de 2025</a:t>
+            </a:r>
+            <a:endParaRPr lang="es-MX" sz="1600" dirty="0">
+              <a:effectLst/>
+              <a:latin typeface="Bahnschrift" panose="020B0502040204020203" pitchFamily="34" charset="0"/>
+            </a:endParaRPr>
+          </a:p>
+        </p:txBody>
+      </p:sp>
+      <p:sp>
+        <p:nvSpPr>
+          <p:cNvPr id="5" name="Freeform 3">
+            <a:extLst>
+              <a:ext uri="{FF2B5EF4-FFF2-40B4-BE49-F238E27FC236}">
+                <a16:creationId xmlns:a16="http://schemas.microsoft.com/office/drawing/2014/main" id="{7FA165B5-62D9-1E98-44A8-601DA938D0CD}"/>
+              </a:ext>
+            </a:extLst>
+          </p:cNvPr>
+          <p:cNvSpPr/>
+          <p:nvPr/>
+        </p:nvSpPr>
+        <p:spPr>
+          <a:xfrm>
+            <a:off x="443844" y="432016"/>
+            <a:ext cx="2207213" cy="943199"/>
+          </a:xfrm>
+          <a:custGeom>
+            <a:avLst/>
+            <a:gdLst/>
+            <a:ahLst/>
+            <a:cxnLst/>
+            <a:rect l="l" t="t" r="r" b="b"/>
+            <a:pathLst>
+              <a:path w="2207213" h="943199">
+                <a:moveTo>
+                  <a:pt x="0" y="0"/>
+                </a:moveTo>
+                <a:lnTo>
+                  <a:pt x="2207213" y="0"/>
+                </a:lnTo>
+                <a:lnTo>
+                  <a:pt x="2207213" y="943198"/>
+                </a:lnTo>
+                <a:lnTo>
+                  <a:pt x="0" y="943198"/>
+                </a:lnTo>
+                <a:lnTo>
+                  <a:pt x="0" y="0"/>
+                </a:lnTo>
+                <a:close/>
+              </a:path>
+            </a:pathLst>
+          </a:custGeom>
+          <a:blipFill>
+            <a:blip r:embed="rId2"/>
+            <a:stretch>
+              <a:fillRect/>
+            </a:stretch>
+          </a:blipFill>
+        </p:spPr>
+      </p:sp>
+      <p:sp>
+        <p:nvSpPr>
+          <p:cNvPr id="6" name="Freeform 4">
+            <a:extLst>
+              <a:ext uri="{FF2B5EF4-FFF2-40B4-BE49-F238E27FC236}">
+                <a16:creationId xmlns:a16="http://schemas.microsoft.com/office/drawing/2014/main" id="{351529FD-46BA-2E33-D073-C6D9A1D17C84}"/>
+              </a:ext>
+            </a:extLst>
+          </p:cNvPr>
+          <p:cNvSpPr/>
+          <p:nvPr/>
+        </p:nvSpPr>
+        <p:spPr>
+          <a:xfrm>
+            <a:off x="7229431" y="432016"/>
+            <a:ext cx="1421408" cy="1163491"/>
+          </a:xfrm>
+          <a:custGeom>
+            <a:avLst/>
+            <a:gdLst/>
+            <a:ahLst/>
+            <a:cxnLst/>
+            <a:rect l="l" t="t" r="r" b="b"/>
+            <a:pathLst>
+              <a:path w="1421408" h="1163491">
+                <a:moveTo>
+                  <a:pt x="0" y="0"/>
+                </a:moveTo>
+                <a:lnTo>
+                  <a:pt x="1421408" y="0"/>
+                </a:lnTo>
+                <a:lnTo>
+                  <a:pt x="1421408" y="1163491"/>
+                </a:lnTo>
+                <a:lnTo>
+                  <a:pt x="0" y="1163491"/>
+                </a:lnTo>
+                <a:lnTo>
+                  <a:pt x="0" y="0"/>
+                </a:lnTo>
+                <a:close/>
+              </a:path>
+            </a:pathLst>
+          </a:custGeom>
+          <a:blipFill>
+            <a:blip r:embed="rId3"/>
+            <a:stretch>
+              <a:fillRect/>
+            </a:stretch>
+          </a:blipFill>
+        </p:spPr>
+      </p:sp>
+      <p:sp>
+        <p:nvSpPr>
+          <p:cNvPr id="7" name="Freeform 5">
+            <a:extLst>
+              <a:ext uri="{FF2B5EF4-FFF2-40B4-BE49-F238E27FC236}">
+                <a16:creationId xmlns:a16="http://schemas.microsoft.com/office/drawing/2014/main" id="{5D387A7B-B4DE-9AF6-58BE-28657D50AE67}"/>
+              </a:ext>
+            </a:extLst>
+          </p:cNvPr>
+          <p:cNvSpPr/>
+          <p:nvPr/>
+        </p:nvSpPr>
+        <p:spPr>
+          <a:xfrm>
+            <a:off x="3280836" y="432016"/>
+            <a:ext cx="3117507" cy="645001"/>
+          </a:xfrm>
+          <a:custGeom>
+            <a:avLst/>
+            <a:gdLst/>
+            <a:ahLst/>
+            <a:cxnLst/>
+            <a:rect l="l" t="t" r="r" b="b"/>
+            <a:pathLst>
+              <a:path w="3117507" h="645001">
+                <a:moveTo>
+                  <a:pt x="0" y="0"/>
+                </a:moveTo>
+                <a:lnTo>
+                  <a:pt x="3117506" y="0"/>
+                </a:lnTo>
+                <a:lnTo>
+                  <a:pt x="3117506" y="645002"/>
+                </a:lnTo>
+                <a:lnTo>
+                  <a:pt x="0" y="645002"/>
+                </a:lnTo>
+                <a:lnTo>
+                  <a:pt x="0" y="0"/>
+                </a:lnTo>
+                <a:close/>
+              </a:path>
+            </a:pathLst>
+          </a:custGeom>
+          <a:blipFill>
+            <a:blip r:embed="rId4"/>
+            <a:stretch>
+              <a:fillRect/>
+            </a:stretch>
+          </a:blipFill>
+        </p:spPr>
       </p:sp>
     </p:spTree>
+    <p:extLst>
+      <p:ext uri="{BB962C8B-B14F-4D97-AF65-F5344CB8AC3E}">
+        <p14:creationId xmlns:p14="http://schemas.microsoft.com/office/powerpoint/2010/main" val="309229986"/>
+      </p:ext>
+    </p:extLst>
   </p:cSld>
   <p:clrMapOvr>
     <a:masterClrMapping/>
@@ -7155,7 +7553,7 @@
               </a:defRPr>
             </a:pPr>
             <a:r>
-              <a:t>¿Qué es la Recursividad?</a:t>
+              <a:t>Introducción</a:t>
             </a:r>
           </a:p>
         </p:txBody>
@@ -7188,19 +7586,11 @@
             </a:pPr>
             <a:r>
               <a:rPr dirty="0"/>
-              <a:t>• Una </a:t>
-            </a:r>
-            <a:r>
-              <a:rPr dirty="0" err="1"/>
-              <a:t>función</a:t>
-            </a:r>
-            <a:r>
-              <a:rPr dirty="0"/>
-              <a:t> que se llama a </a:t>
-            </a:r>
-            <a:r>
-              <a:rPr dirty="0" err="1"/>
-              <a:t>sí</a:t>
+              <a:t>• La </a:t>
+            </a:r>
+            <a:r>
+              <a:rPr dirty="0" err="1"/>
+              <a:t>recursividad</a:t>
             </a:r>
             <a:r>
               <a:rPr dirty="0"/>
@@ -7208,7 +7598,55 @@
             </a:r>
             <a:r>
               <a:rPr dirty="0" err="1"/>
-              <a:t>misma</a:t>
+              <a:t>permite</a:t>
+            </a:r>
+            <a:r>
+              <a:rPr dirty="0"/>
+              <a:t> resolver </a:t>
+            </a:r>
+            <a:r>
+              <a:rPr dirty="0" err="1"/>
+              <a:t>problemas</a:t>
+            </a:r>
+            <a:r>
+              <a:rPr dirty="0"/>
+              <a:t> </a:t>
+            </a:r>
+            <a:r>
+              <a:rPr dirty="0" err="1"/>
+              <a:t>dividiendo</a:t>
+            </a:r>
+            <a:r>
+              <a:rPr dirty="0"/>
+              <a:t> </a:t>
+            </a:r>
+            <a:r>
+              <a:rPr dirty="0" err="1"/>
+              <a:t>el</a:t>
+            </a:r>
+            <a:r>
+              <a:rPr dirty="0"/>
+              <a:t> </a:t>
+            </a:r>
+            <a:r>
+              <a:rPr dirty="0" err="1"/>
+              <a:t>problema</a:t>
+            </a:r>
+            <a:r>
+              <a:rPr dirty="0"/>
+              <a:t> </a:t>
+            </a:r>
+            <a:r>
+              <a:rPr dirty="0" err="1"/>
+              <a:t>en</a:t>
+            </a:r>
+            <a:r>
+              <a:rPr dirty="0"/>
+              <a:t> </a:t>
+            </a:r>
+            <a:r>
+              <a:rPr dirty="0" err="1"/>
+              <a:t>subproblemas</a:t>
             </a:r>
             <a:r>
               <a:rPr dirty="0"/>
@@ -7226,41 +7664,65 @@
             </a:pPr>
             <a:r>
               <a:rPr dirty="0"/>
+              <a:t>• Fundamental </a:t>
+            </a:r>
+            <a:r>
+              <a:rPr dirty="0" err="1"/>
+              <a:t>en</a:t>
+            </a:r>
+            <a:r>
+              <a:rPr dirty="0"/>
+              <a:t> </a:t>
+            </a:r>
+            <a:r>
+              <a:rPr dirty="0" err="1"/>
+              <a:t>programación</a:t>
+            </a:r>
+            <a:r>
+              <a:rPr dirty="0"/>
+              <a:t>, </a:t>
+            </a:r>
+            <a:r>
+              <a:rPr dirty="0" err="1"/>
+              <a:t>matemáticas</a:t>
+            </a:r>
+            <a:r>
+              <a:rPr dirty="0"/>
+              <a:t> y </a:t>
+            </a:r>
+            <a:r>
+              <a:rPr dirty="0" err="1"/>
+              <a:t>estructuras</a:t>
+            </a:r>
+            <a:r>
+              <a:rPr dirty="0"/>
+              <a:t> de </a:t>
+            </a:r>
+            <a:r>
+              <a:rPr dirty="0" err="1"/>
+              <a:t>datos</a:t>
+            </a:r>
+            <a:r>
+              <a:rPr dirty="0"/>
+              <a:t>.</a:t>
+            </a:r>
+          </a:p>
+          <a:p>
+            <a:pPr marL="0" indent="0">
+              <a:buNone/>
+              <a:defRPr sz="2400">
+                <a:solidFill>
+                  <a:srgbClr val="3C3C3C"/>
+                </a:solidFill>
+              </a:defRPr>
+            </a:pPr>
+            <a:r>
+              <a:rPr dirty="0"/>
               <a:t>• </a:t>
             </a:r>
             <a:r>
               <a:rPr dirty="0" err="1"/>
-              <a:t>Requiere</a:t>
-            </a:r>
-            <a:r>
-              <a:rPr dirty="0"/>
-              <a:t> un </a:t>
-            </a:r>
-            <a:r>
-              <a:rPr dirty="0" err="1"/>
-              <a:t>caso</a:t>
-            </a:r>
-            <a:r>
-              <a:rPr dirty="0"/>
-              <a:t> base.</a:t>
-            </a:r>
-          </a:p>
-          <a:p>
-            <a:pPr marL="0" indent="0">
-              <a:buNone/>
-              <a:defRPr sz="2400">
-                <a:solidFill>
-                  <a:srgbClr val="3C3C3C"/>
-                </a:solidFill>
-              </a:defRPr>
-            </a:pPr>
-            <a:r>
-              <a:rPr dirty="0"/>
-              <a:t>• </a:t>
-            </a:r>
-            <a:r>
-              <a:rPr dirty="0" err="1"/>
-              <a:t>Útil</a:t>
+              <a:t>Refleja</a:t>
             </a:r>
             <a:r>
               <a:rPr dirty="0"/>
@@ -7268,15 +7730,15 @@
             </a:r>
             <a:r>
               <a:rPr dirty="0" err="1"/>
-              <a:t>cuando</a:t>
-            </a:r>
-            <a:r>
-              <a:rPr dirty="0"/>
-              <a:t> un </a:t>
-            </a:r>
-            <a:r>
-              <a:rPr dirty="0" err="1"/>
-              <a:t>problema</a:t>
+              <a:t>comportamientos</a:t>
+            </a:r>
+            <a:r>
+              <a:rPr dirty="0"/>
+              <a:t> naturales </a:t>
+            </a:r>
+            <a:r>
+              <a:rPr dirty="0" err="1"/>
+              <a:t>como</a:t>
             </a:r>
             <a:r>
               <a:rPr dirty="0"/>
@@ -7284,7 +7746,7 @@
             </a:r>
             <a:r>
               <a:rPr dirty="0" err="1"/>
-              <a:t>puede</a:t>
+              <a:t>los</a:t>
             </a:r>
             <a:r>
               <a:rPr dirty="0"/>
@@ -7292,31 +7754,7 @@
             </a:r>
             <a:r>
               <a:rPr dirty="0" err="1"/>
-              <a:t>dividirse</a:t>
-            </a:r>
-            <a:r>
-              <a:rPr dirty="0"/>
-              <a:t> </a:t>
-            </a:r>
-            <a:r>
-              <a:rPr dirty="0" err="1"/>
-              <a:t>en</a:t>
-            </a:r>
-            <a:r>
-              <a:rPr dirty="0"/>
-              <a:t> </a:t>
-            </a:r>
-            <a:r>
-              <a:rPr dirty="0" err="1"/>
-              <a:t>subproblemas</a:t>
-            </a:r>
-            <a:r>
-              <a:rPr dirty="0"/>
-              <a:t> </a:t>
-            </a:r>
-            <a:r>
-              <a:rPr dirty="0" err="1"/>
-              <a:t>similares</a:t>
+              <a:t>fractales</a:t>
             </a:r>
             <a:r>
               <a:rPr dirty="0"/>
@@ -7373,7 +7811,7 @@
               </a:defRPr>
             </a:pPr>
             <a:r>
-              <a:t>Importancia del Caso Base</a:t>
+              <a:t>¿Qué es la Recursividad?</a:t>
             </a:r>
           </a:p>
         </p:txBody>
@@ -7406,11 +7844,79 @@
             </a:pPr>
             <a:r>
               <a:rPr dirty="0"/>
+              <a:t>• Una </a:t>
+            </a:r>
+            <a:r>
+              <a:rPr dirty="0" err="1"/>
+              <a:t>función</a:t>
+            </a:r>
+            <a:r>
+              <a:rPr dirty="0"/>
+              <a:t> que se llama a </a:t>
+            </a:r>
+            <a:r>
+              <a:rPr dirty="0" err="1"/>
+              <a:t>sí</a:t>
+            </a:r>
+            <a:r>
+              <a:rPr dirty="0"/>
+              <a:t> </a:t>
+            </a:r>
+            <a:r>
+              <a:rPr dirty="0" err="1"/>
+              <a:t>misma</a:t>
+            </a:r>
+            <a:r>
+              <a:rPr dirty="0"/>
+              <a:t>.</a:t>
+            </a:r>
+          </a:p>
+          <a:p>
+            <a:pPr marL="0" indent="0">
+              <a:buNone/>
+              <a:defRPr sz="2400">
+                <a:solidFill>
+                  <a:srgbClr val="3C3C3C"/>
+                </a:solidFill>
+              </a:defRPr>
+            </a:pPr>
+            <a:r>
+              <a:rPr dirty="0"/>
               <a:t>• </a:t>
             </a:r>
             <a:r>
               <a:rPr dirty="0" err="1"/>
-              <a:t>Impide</a:t>
+              <a:t>Requiere</a:t>
+            </a:r>
+            <a:r>
+              <a:rPr dirty="0"/>
+              <a:t> un </a:t>
+            </a:r>
+            <a:r>
+              <a:rPr dirty="0" err="1"/>
+              <a:t>caso</a:t>
+            </a:r>
+            <a:r>
+              <a:rPr dirty="0"/>
+              <a:t> base.</a:t>
+            </a:r>
+          </a:p>
+          <a:p>
+            <a:pPr marL="0" indent="0">
+              <a:buNone/>
+              <a:defRPr sz="2400">
+                <a:solidFill>
+                  <a:srgbClr val="3C3C3C"/>
+                </a:solidFill>
+              </a:defRPr>
+            </a:pPr>
+            <a:r>
+              <a:rPr dirty="0"/>
+              <a:t>• </a:t>
+            </a:r>
+            <a:r>
+              <a:rPr dirty="0" err="1"/>
+              <a:t>Útil</a:t>
             </a:r>
             <a:r>
               <a:rPr dirty="0"/>
@@ -7418,7 +7924,15 @@
             </a:r>
             <a:r>
               <a:rPr dirty="0" err="1"/>
-              <a:t>ciclos</a:t>
+              <a:t>cuando</a:t>
+            </a:r>
+            <a:r>
+              <a:rPr dirty="0"/>
+              <a:t> un </a:t>
+            </a:r>
+            <a:r>
+              <a:rPr dirty="0" err="1"/>
+              <a:t>problema</a:t>
             </a:r>
             <a:r>
               <a:rPr dirty="0"/>
@@ -7426,79 +7940,43 @@
             </a:r>
             <a:r>
               <a:rPr dirty="0" err="1"/>
-              <a:t>infinitos</a:t>
+              <a:t>puede</a:t>
+            </a:r>
+            <a:r>
+              <a:rPr dirty="0"/>
+              <a:t> </a:t>
+            </a:r>
+            <a:r>
+              <a:rPr dirty="0" err="1"/>
+              <a:t>dividirse</a:t>
+            </a:r>
+            <a:r>
+              <a:rPr dirty="0"/>
+              <a:t> </a:t>
+            </a:r>
+            <a:r>
+              <a:rPr dirty="0" err="1"/>
+              <a:t>en</a:t>
+            </a:r>
+            <a:r>
+              <a:rPr dirty="0"/>
+              <a:t> </a:t>
+            </a:r>
+            <a:r>
+              <a:rPr dirty="0" err="1"/>
+              <a:t>subproblemas</a:t>
+            </a:r>
+            <a:r>
+              <a:rPr dirty="0"/>
+              <a:t> </a:t>
+            </a:r>
+            <a:r>
+              <a:rPr dirty="0" err="1"/>
+              <a:t>similares</a:t>
             </a:r>
             <a:r>
               <a:rPr dirty="0"/>
               <a:t>.</a:t>
-            </a:r>
-          </a:p>
-          <a:p>
-            <a:pPr marL="0" indent="0">
-              <a:buNone/>
-              <a:defRPr sz="2400">
-                <a:solidFill>
-                  <a:srgbClr val="3C3C3C"/>
-                </a:solidFill>
-              </a:defRPr>
-            </a:pPr>
-            <a:r>
-              <a:rPr dirty="0"/>
-              <a:t>• </a:t>
-            </a:r>
-            <a:r>
-              <a:rPr dirty="0" err="1"/>
-              <a:t>Permite</a:t>
-            </a:r>
-            <a:r>
-              <a:rPr dirty="0"/>
-              <a:t> que la </a:t>
-            </a:r>
-            <a:r>
-              <a:rPr dirty="0" err="1"/>
-              <a:t>función</a:t>
-            </a:r>
-            <a:r>
-              <a:rPr dirty="0"/>
-              <a:t> </a:t>
-            </a:r>
-            <a:r>
-              <a:rPr dirty="0" err="1"/>
-              <a:t>regrese</a:t>
-            </a:r>
-            <a:r>
-              <a:rPr dirty="0"/>
-              <a:t> </a:t>
-            </a:r>
-            <a:r>
-              <a:rPr dirty="0" err="1"/>
-              <a:t>valores</a:t>
-            </a:r>
-            <a:r>
-              <a:rPr dirty="0"/>
-              <a:t>.</a:t>
-            </a:r>
-          </a:p>
-          <a:p>
-            <a:pPr marL="0" indent="0">
-              <a:buNone/>
-              <a:defRPr sz="2400">
-                <a:solidFill>
-                  <a:srgbClr val="3C3C3C"/>
-                </a:solidFill>
-              </a:defRPr>
-            </a:pPr>
-            <a:r>
-              <a:rPr dirty="0"/>
-              <a:t>• Evita </a:t>
-            </a:r>
-            <a:r>
-              <a:rPr dirty="0" err="1"/>
-              <a:t>desbordamientos</a:t>
-            </a:r>
-            <a:r>
-              <a:rPr dirty="0"/>
-              <a:t> de pila.</a:t>
             </a:r>
           </a:p>
         </p:txBody>
@@ -7551,7 +8029,7 @@
               </a:defRPr>
             </a:pPr>
             <a:r>
-              <a:t>Ejemplo: Factorial</a:t>
+              <a:t>Importancia del Caso Base</a:t>
             </a:r>
           </a:p>
         </p:txBody>
@@ -7584,7 +8062,31 @@
             </a:pPr>
             <a:r>
               <a:rPr dirty="0"/>
-              <a:t>• n! = n × (n−1) × ... × 1.</a:t>
+              <a:t>• </a:t>
+            </a:r>
+            <a:r>
+              <a:rPr dirty="0" err="1"/>
+              <a:t>Impide</a:t>
+            </a:r>
+            <a:r>
+              <a:rPr dirty="0"/>
+              <a:t> </a:t>
+            </a:r>
+            <a:r>
+              <a:rPr dirty="0" err="1"/>
+              <a:t>ciclos</a:t>
+            </a:r>
+            <a:r>
+              <a:rPr dirty="0"/>
+              <a:t> </a:t>
+            </a:r>
+            <a:r>
+              <a:rPr dirty="0" err="1"/>
+              <a:t>infinitos</a:t>
+            </a:r>
+            <a:r>
+              <a:rPr dirty="0"/>
+              <a:t>.</a:t>
             </a:r>
           </a:p>
           <a:p>
@@ -7602,7 +8104,15 @@
             </a:r>
             <a:r>
               <a:rPr dirty="0" err="1"/>
-              <a:t>Ejemplo</a:t>
+              <a:t>Permite</a:t>
+            </a:r>
+            <a:r>
+              <a:rPr dirty="0"/>
+              <a:t> que la </a:t>
+            </a:r>
+            <a:r>
+              <a:rPr dirty="0" err="1"/>
+              <a:t>función</a:t>
             </a:r>
             <a:r>
               <a:rPr dirty="0"/>
@@ -7610,15 +8120,15 @@
             </a:r>
             <a:r>
               <a:rPr dirty="0" err="1"/>
-              <a:t>clásico</a:t>
-            </a:r>
-            <a:r>
-              <a:rPr dirty="0"/>
-              <a:t> de </a:t>
-            </a:r>
-            <a:r>
-              <a:rPr dirty="0" err="1"/>
-              <a:t>recursividad</a:t>
+              <a:t>regrese</a:t>
+            </a:r>
+            <a:r>
+              <a:rPr dirty="0"/>
+              <a:t> </a:t>
+            </a:r>
+            <a:r>
+              <a:rPr dirty="0" err="1"/>
+              <a:t>valores</a:t>
             </a:r>
             <a:r>
               <a:rPr dirty="0"/>
@@ -7636,55 +8146,15 @@
             </a:pPr>
             <a:r>
               <a:rPr dirty="0"/>
-              <a:t>• </a:t>
-            </a:r>
-            <a:r>
-              <a:rPr dirty="0" err="1"/>
-              <a:t>Puede</a:t>
-            </a:r>
-            <a:r>
-              <a:rPr dirty="0"/>
-              <a:t> </a:t>
-            </a:r>
-            <a:r>
-              <a:rPr dirty="0" err="1"/>
-              <a:t>generar</a:t>
-            </a:r>
-            <a:r>
-              <a:rPr dirty="0"/>
-              <a:t> </a:t>
-            </a:r>
-            <a:r>
-              <a:rPr dirty="0" err="1"/>
-              <a:t>RecursionError</a:t>
-            </a:r>
-            <a:r>
-              <a:rPr dirty="0"/>
-              <a:t> </a:t>
-            </a:r>
-            <a:r>
-              <a:rPr dirty="0" err="1"/>
-              <a:t>si</a:t>
-            </a:r>
-            <a:r>
-              <a:rPr dirty="0"/>
-              <a:t> hay </a:t>
-            </a:r>
-            <a:r>
-              <a:rPr dirty="0" err="1"/>
-              <a:t>demasiadas</a:t>
-            </a:r>
-            <a:r>
-              <a:rPr dirty="0"/>
-              <a:t> </a:t>
-            </a:r>
-            <a:r>
-              <a:rPr dirty="0" err="1"/>
-              <a:t>llamadas</a:t>
-            </a:r>
-            <a:r>
-              <a:rPr dirty="0"/>
-              <a:t>.</a:t>
+              <a:t>• Evita </a:t>
+            </a:r>
+            <a:r>
+              <a:rPr dirty="0" err="1"/>
+              <a:t>desbordamientos</a:t>
+            </a:r>
+            <a:r>
+              <a:rPr dirty="0"/>
+              <a:t> de pila.</a:t>
             </a:r>
           </a:p>
         </p:txBody>
@@ -7726,9 +8196,7 @@
         </p:nvSpPr>
         <p:spPr/>
         <p:txBody>
-          <a:bodyPr>
-            <a:normAutofit fontScale="90000"/>
-          </a:bodyPr>
+          <a:bodyPr/>
           <a:lstStyle/>
           <a:p>
             <a:pPr>
@@ -7739,7 +8207,7 @@
               </a:defRPr>
             </a:pPr>
             <a:r>
-              <a:t>Ejemplo: Serie de Fibonacci</a:t>
+              <a:t>Ejemplo: Factorial</a:t>
             </a:r>
           </a:p>
         </p:txBody>
@@ -7772,19 +8240,33 @@
             </a:pPr>
             <a:r>
               <a:rPr dirty="0"/>
-              <a:t>• Cada </a:t>
-            </a:r>
-            <a:r>
-              <a:rPr dirty="0" err="1"/>
-              <a:t>número</a:t>
-            </a:r>
-            <a:r>
-              <a:rPr dirty="0"/>
-              <a:t> = </a:t>
-            </a:r>
-            <a:r>
-              <a:rPr dirty="0" err="1"/>
-              <a:t>suma</a:t>
+              <a:t>• n! = n × (n−1) × ... × 1.</a:t>
+            </a:r>
+          </a:p>
+          <a:p>
+            <a:pPr marL="0" indent="0">
+              <a:buNone/>
+              <a:defRPr sz="2400">
+                <a:solidFill>
+                  <a:srgbClr val="3C3C3C"/>
+                </a:solidFill>
+              </a:defRPr>
+            </a:pPr>
+            <a:r>
+              <a:rPr dirty="0"/>
+              <a:t>• </a:t>
+            </a:r>
+            <a:r>
+              <a:rPr dirty="0" err="1"/>
+              <a:t>Ejemplo</a:t>
+            </a:r>
+            <a:r>
+              <a:rPr dirty="0"/>
+              <a:t> </a:t>
+            </a:r>
+            <a:r>
+              <a:rPr dirty="0" err="1"/>
+              <a:t>clásico</a:t>
             </a:r>
             <a:r>
               <a:rPr dirty="0"/>
@@ -7792,15 +8274,7 @@
             </a:r>
             <a:r>
               <a:rPr dirty="0" err="1"/>
-              <a:t>los</a:t>
-            </a:r>
-            <a:r>
-              <a:rPr dirty="0"/>
-              <a:t> dos </a:t>
-            </a:r>
-            <a:r>
-              <a:rPr dirty="0" err="1"/>
-              <a:t>anteriores</a:t>
+              <a:t>recursividad</a:t>
             </a:r>
             <a:r>
               <a:rPr dirty="0"/>
@@ -7822,15 +8296,7 @@
             </a:r>
             <a:r>
               <a:rPr dirty="0" err="1"/>
-              <a:t>Fácil</a:t>
-            </a:r>
-            <a:r>
-              <a:rPr dirty="0"/>
-              <a:t> de </a:t>
-            </a:r>
-            <a:r>
-              <a:rPr dirty="0" err="1"/>
-              <a:t>implementar</a:t>
+              <a:t>Puede</a:t>
             </a:r>
             <a:r>
               <a:rPr dirty="0"/>
@@ -7838,29 +8304,7 @@
             </a:r>
             <a:r>
               <a:rPr dirty="0" err="1"/>
-              <a:t>recursivamente</a:t>
-            </a:r>
-            <a:r>
-              <a:rPr dirty="0"/>
-              <a:t>.</a:t>
-            </a:r>
-          </a:p>
-          <a:p>
-            <a:pPr marL="0" indent="0">
-              <a:buNone/>
-              <a:defRPr sz="2400">
-                <a:solidFill>
-                  <a:srgbClr val="3C3C3C"/>
-                </a:solidFill>
-              </a:defRPr>
-            </a:pPr>
-            <a:r>
-              <a:rPr dirty="0"/>
-              <a:t>• Poco </a:t>
-            </a:r>
-            <a:r>
-              <a:rPr dirty="0" err="1"/>
-              <a:t>eficiente</a:t>
+              <a:t>generar</a:t>
             </a:r>
             <a:r>
               <a:rPr dirty="0"/>
@@ -7868,15 +8312,31 @@
             </a:r>
             <a:r>
               <a:rPr dirty="0" err="1"/>
+              <a:t>RecursionError</a:t>
+            </a:r>
+            <a:r>
+              <a:rPr dirty="0"/>
+              <a:t> </a:t>
+            </a:r>
+            <a:r>
+              <a:rPr dirty="0" err="1"/>
               <a:t>si</a:t>
             </a:r>
             <a:r>
               <a:rPr dirty="0"/>
-              <a:t> no se </a:t>
-            </a:r>
-            <a:r>
-              <a:rPr dirty="0" err="1"/>
-              <a:t>optimiza</a:t>
+              <a:t> hay </a:t>
+            </a:r>
+            <a:r>
+              <a:rPr dirty="0" err="1"/>
+              <a:t>demasiadas</a:t>
+            </a:r>
+            <a:r>
+              <a:rPr dirty="0"/>
+              <a:t> </a:t>
+            </a:r>
+            <a:r>
+              <a:rPr dirty="0" err="1"/>
+              <a:t>llamadas</a:t>
             </a:r>
             <a:r>
               <a:rPr dirty="0"/>
@@ -7922,7 +8382,9 @@
         </p:nvSpPr>
         <p:spPr/>
         <p:txBody>
-          <a:bodyPr/>
+          <a:bodyPr>
+            <a:normAutofit fontScale="90000"/>
+          </a:bodyPr>
           <a:lstStyle/>
           <a:p>
             <a:pPr>
@@ -7933,7 +8395,7 @@
               </a:defRPr>
             </a:pPr>
             <a:r>
-              <a:t>Recursividad en Fractales</a:t>
+              <a:t>Ejemplo: Serie de Fibonacci</a:t>
             </a:r>
           </a:p>
         </p:txBody>
@@ -7966,11 +8428,65 @@
             </a:pPr>
             <a:r>
               <a:rPr dirty="0"/>
-              <a:t>• Como </a:t>
-            </a:r>
-            <a:r>
-              <a:rPr dirty="0" err="1"/>
-              <a:t>el</a:t>
+              <a:t>• Cada </a:t>
+            </a:r>
+            <a:r>
+              <a:rPr dirty="0" err="1"/>
+              <a:t>número</a:t>
+            </a:r>
+            <a:r>
+              <a:rPr dirty="0"/>
+              <a:t> = </a:t>
+            </a:r>
+            <a:r>
+              <a:rPr dirty="0" err="1"/>
+              <a:t>suma</a:t>
+            </a:r>
+            <a:r>
+              <a:rPr dirty="0"/>
+              <a:t> de </a:t>
+            </a:r>
+            <a:r>
+              <a:rPr dirty="0" err="1"/>
+              <a:t>los</a:t>
+            </a:r>
+            <a:r>
+              <a:rPr dirty="0"/>
+              <a:t> dos </a:t>
+            </a:r>
+            <a:r>
+              <a:rPr dirty="0" err="1"/>
+              <a:t>anteriores</a:t>
+            </a:r>
+            <a:r>
+              <a:rPr dirty="0"/>
+              <a:t>.</a:t>
+            </a:r>
+          </a:p>
+          <a:p>
+            <a:pPr marL="0" indent="0">
+              <a:buNone/>
+              <a:defRPr sz="2400">
+                <a:solidFill>
+                  <a:srgbClr val="3C3C3C"/>
+                </a:solidFill>
+              </a:defRPr>
+            </a:pPr>
+            <a:r>
+              <a:rPr dirty="0"/>
+              <a:t>• </a:t>
+            </a:r>
+            <a:r>
+              <a:rPr dirty="0" err="1"/>
+              <a:t>Fácil</a:t>
+            </a:r>
+            <a:r>
+              <a:rPr dirty="0"/>
+              <a:t> de </a:t>
+            </a:r>
+            <a:r>
+              <a:rPr dirty="0" err="1"/>
+              <a:t>implementar</a:t>
             </a:r>
             <a:r>
               <a:rPr dirty="0"/>
@@ -7978,19 +8494,11 @@
             </a:r>
             <a:r>
               <a:rPr dirty="0" err="1"/>
-              <a:t>copo</a:t>
-            </a:r>
-            <a:r>
-              <a:rPr dirty="0"/>
-              <a:t> de </a:t>
-            </a:r>
-            <a:r>
-              <a:rPr dirty="0" err="1"/>
-              <a:t>nieve</a:t>
-            </a:r>
-            <a:r>
-              <a:rPr dirty="0"/>
-              <a:t> de Koch.</a:t>
+              <a:t>recursivamente</a:t>
+            </a:r>
+            <a:r>
+              <a:rPr dirty="0"/>
+              <a:t>.</a:t>
             </a:r>
           </a:p>
           <a:p>
@@ -8004,27 +8512,11 @@
             </a:pPr>
             <a:r>
               <a:rPr dirty="0"/>
-              <a:t>• </a:t>
-            </a:r>
-            <a:r>
-              <a:rPr dirty="0" err="1"/>
-              <a:t>Patrones</a:t>
-            </a:r>
-            <a:r>
-              <a:rPr dirty="0"/>
-              <a:t> que se </a:t>
-            </a:r>
-            <a:r>
-              <a:rPr dirty="0" err="1"/>
-              <a:t>repiten</a:t>
-            </a:r>
-            <a:r>
-              <a:rPr dirty="0"/>
-              <a:t> a </a:t>
-            </a:r>
-            <a:r>
-              <a:rPr dirty="0" err="1"/>
-              <a:t>distintas</a:t>
+              <a:t>• Poco </a:t>
+            </a:r>
+            <a:r>
+              <a:rPr dirty="0" err="1"/>
+              <a:t>eficiente</a:t>
             </a:r>
             <a:r>
               <a:rPr dirty="0"/>
@@ -8032,46 +8524,15 @@
             </a:r>
             <a:r>
               <a:rPr dirty="0" err="1"/>
-              <a:t>escalas</a:t>
-            </a:r>
-            <a:r>
-              <a:rPr dirty="0"/>
-              <a:t>.</a:t>
-            </a:r>
-            <a:endParaRPr lang="es-MX" dirty="0"/>
-          </a:p>
-          <a:p>
-            <a:pPr marL="0" indent="0">
-              <a:buNone/>
-              <a:defRPr sz="2400">
-                <a:solidFill>
-                  <a:srgbClr val="3C3C3C"/>
-                </a:solidFill>
-              </a:defRPr>
-            </a:pPr>
-            <a:r>
-              <a:rPr dirty="0"/>
-              <a:t>• </a:t>
-            </a:r>
-            <a:r>
-              <a:rPr dirty="0" err="1"/>
-              <a:t>Representación</a:t>
-            </a:r>
-            <a:r>
-              <a:rPr dirty="0"/>
-              <a:t> </a:t>
-            </a:r>
-            <a:r>
-              <a:rPr dirty="0" err="1"/>
-              <a:t>clara</a:t>
-            </a:r>
-            <a:r>
-              <a:rPr dirty="0"/>
-              <a:t> de </a:t>
-            </a:r>
-            <a:r>
-              <a:rPr dirty="0" err="1"/>
-              <a:t>autosimilitud</a:t>
+              <a:t>si</a:t>
+            </a:r>
+            <a:r>
+              <a:rPr dirty="0"/>
+              <a:t> no se </a:t>
+            </a:r>
+            <a:r>
+              <a:rPr dirty="0" err="1"/>
+              <a:t>optimiza</a:t>
             </a:r>
             <a:r>
               <a:rPr dirty="0"/>
@@ -8128,7 +8589,7 @@
               </a:defRPr>
             </a:pPr>
             <a:r>
-              <a:t>Árboles Binarios</a:t>
+              <a:t>Recursividad en Fractales</a:t>
             </a:r>
           </a:p>
         </p:txBody>
@@ -8161,11 +8622,11 @@
             </a:pPr>
             <a:r>
               <a:rPr dirty="0"/>
-              <a:t>• Cada </a:t>
-            </a:r>
-            <a:r>
-              <a:rPr dirty="0" err="1"/>
-              <a:t>nodo</a:t>
+              <a:t>• Como </a:t>
+            </a:r>
+            <a:r>
+              <a:rPr dirty="0" err="1"/>
+              <a:t>el</a:t>
             </a:r>
             <a:r>
               <a:rPr dirty="0"/>
@@ -8173,20 +8634,67 @@
             </a:r>
             <a:r>
               <a:rPr dirty="0" err="1"/>
-              <a:t>contiene</a:t>
-            </a:r>
-            <a:r>
-              <a:rPr dirty="0"/>
-              <a:t> dos </a:t>
-            </a:r>
-            <a:r>
-              <a:rPr dirty="0" err="1"/>
-              <a:t>subárboles</a:t>
+              <a:t>copo</a:t>
+            </a:r>
+            <a:r>
+              <a:rPr dirty="0"/>
+              <a:t> de </a:t>
+            </a:r>
+            <a:r>
+              <a:rPr dirty="0" err="1"/>
+              <a:t>nieve</a:t>
+            </a:r>
+            <a:r>
+              <a:rPr dirty="0"/>
+              <a:t> de Koch.</a:t>
+            </a:r>
+          </a:p>
+          <a:p>
+            <a:pPr marL="0" indent="0">
+              <a:buNone/>
+              <a:defRPr sz="2400">
+                <a:solidFill>
+                  <a:srgbClr val="3C3C3C"/>
+                </a:solidFill>
+              </a:defRPr>
+            </a:pPr>
+            <a:r>
+              <a:rPr dirty="0"/>
+              <a:t>• </a:t>
+            </a:r>
+            <a:r>
+              <a:rPr dirty="0" err="1"/>
+              <a:t>Patrones</a:t>
+            </a:r>
+            <a:r>
+              <a:rPr dirty="0"/>
+              <a:t> que se </a:t>
+            </a:r>
+            <a:r>
+              <a:rPr dirty="0" err="1"/>
+              <a:t>repiten</a:t>
+            </a:r>
+            <a:r>
+              <a:rPr dirty="0"/>
+              <a:t> a </a:t>
+            </a:r>
+            <a:r>
+              <a:rPr dirty="0" err="1"/>
+              <a:t>distintas</a:t>
+            </a:r>
+            <a:r>
+              <a:rPr dirty="0"/>
+              <a:t> </a:t>
+            </a:r>
+            <a:r>
+              <a:rPr dirty="0" err="1"/>
+              <a:t>escalas</a:t>
             </a:r>
             <a:r>
               <a:rPr dirty="0"/>
               <a:t>.</a:t>
             </a:r>
+            <a:endParaRPr lang="es-MX" dirty="0"/>
           </a:p>
           <a:p>
             <a:pPr marL="0" indent="0">
@@ -8199,11 +8707,11 @@
             </a:pPr>
             <a:r>
               <a:rPr dirty="0"/>
-              <a:t>• Son </a:t>
-            </a:r>
-            <a:r>
-              <a:rPr dirty="0" err="1"/>
-              <a:t>estructuras</a:t>
+              <a:t>• </a:t>
+            </a:r>
+            <a:r>
+              <a:rPr dirty="0" err="1"/>
+              <a:t>Representación</a:t>
             </a:r>
             <a:r>
               <a:rPr dirty="0"/>
@@ -8211,61 +8719,15 @@
             </a:r>
             <a:r>
               <a:rPr dirty="0" err="1"/>
-              <a:t>naturalmente</a:t>
-            </a:r>
-            <a:r>
-              <a:rPr dirty="0"/>
-              <a:t> </a:t>
-            </a:r>
-            <a:r>
-              <a:rPr dirty="0" err="1"/>
-              <a:t>recursivas</a:t>
-            </a:r>
-            <a:r>
-              <a:rPr dirty="0"/>
-              <a:t>.</a:t>
-            </a:r>
-          </a:p>
-          <a:p>
-            <a:pPr marL="0" indent="0">
-              <a:buNone/>
-              <a:defRPr sz="2400">
-                <a:solidFill>
-                  <a:srgbClr val="3C3C3C"/>
-                </a:solidFill>
-              </a:defRPr>
-            </a:pPr>
-            <a:r>
-              <a:rPr dirty="0"/>
-              <a:t>• </a:t>
-            </a:r>
-            <a:r>
-              <a:rPr dirty="0" err="1"/>
-              <a:t>Recorridos</a:t>
-            </a:r>
-            <a:r>
-              <a:rPr dirty="0"/>
-              <a:t>: </a:t>
-            </a:r>
-            <a:r>
-              <a:rPr dirty="0" err="1"/>
-              <a:t>Preorden</a:t>
-            </a:r>
-            <a:r>
-              <a:rPr dirty="0"/>
-              <a:t>, </a:t>
-            </a:r>
-            <a:r>
-              <a:rPr dirty="0" err="1"/>
-              <a:t>Inorden</a:t>
-            </a:r>
-            <a:r>
-              <a:rPr dirty="0"/>
-              <a:t>, </a:t>
-            </a:r>
-            <a:r>
-              <a:rPr dirty="0" err="1"/>
-              <a:t>Posorden</a:t>
+              <a:t>clara</a:t>
+            </a:r>
+            <a:r>
+              <a:rPr dirty="0"/>
+              <a:t> de </a:t>
+            </a:r>
+            <a:r>
+              <a:rPr dirty="0" err="1"/>
+              <a:t>autosimilitud</a:t>
             </a:r>
             <a:r>
               <a:rPr dirty="0"/>
@@ -8322,7 +8784,7 @@
               </a:defRPr>
             </a:pPr>
             <a:r>
-              <a:t>Divide y Vencerás</a:t>
+              <a:t>Árboles Binarios</a:t>
             </a:r>
           </a:p>
         </p:txBody>
@@ -8355,65 +8817,95 @@
             </a:pPr>
             <a:r>
               <a:rPr dirty="0"/>
+              <a:t>• Cada </a:t>
+            </a:r>
+            <a:r>
+              <a:rPr dirty="0" err="1"/>
+              <a:t>nodo</a:t>
+            </a:r>
+            <a:r>
+              <a:rPr dirty="0"/>
+              <a:t> </a:t>
+            </a:r>
+            <a:r>
+              <a:rPr dirty="0" err="1"/>
+              <a:t>contiene</a:t>
+            </a:r>
+            <a:r>
+              <a:rPr dirty="0"/>
+              <a:t> dos </a:t>
+            </a:r>
+            <a:r>
+              <a:rPr dirty="0" err="1"/>
+              <a:t>subárboles</a:t>
+            </a:r>
+            <a:r>
+              <a:rPr dirty="0"/>
+              <a:t>.</a:t>
+            </a:r>
+          </a:p>
+          <a:p>
+            <a:pPr marL="0" indent="0">
+              <a:buNone/>
+              <a:defRPr sz="2400">
+                <a:solidFill>
+                  <a:srgbClr val="3C3C3C"/>
+                </a:solidFill>
+              </a:defRPr>
+            </a:pPr>
+            <a:r>
+              <a:rPr dirty="0"/>
+              <a:t>• Son </a:t>
+            </a:r>
+            <a:r>
+              <a:rPr dirty="0" err="1"/>
+              <a:t>estructuras</a:t>
+            </a:r>
+            <a:r>
+              <a:rPr dirty="0"/>
+              <a:t> </a:t>
+            </a:r>
+            <a:r>
+              <a:rPr dirty="0" err="1"/>
+              <a:t>naturalmente</a:t>
+            </a:r>
+            <a:r>
+              <a:rPr dirty="0"/>
+              <a:t> </a:t>
+            </a:r>
+            <a:r>
+              <a:rPr dirty="0" err="1"/>
+              <a:t>recursivas</a:t>
+            </a:r>
+            <a:r>
+              <a:rPr dirty="0"/>
+              <a:t>.</a:t>
+            </a:r>
+          </a:p>
+          <a:p>
+            <a:pPr marL="0" indent="0">
+              <a:buNone/>
+              <a:defRPr sz="2400">
+                <a:solidFill>
+                  <a:srgbClr val="3C3C3C"/>
+                </a:solidFill>
+              </a:defRPr>
+            </a:pPr>
+            <a:r>
+              <a:rPr dirty="0"/>
               <a:t>• </a:t>
             </a:r>
             <a:r>
               <a:rPr dirty="0" err="1"/>
-              <a:t>Problemas</a:t>
-            </a:r>
-            <a:r>
-              <a:rPr dirty="0"/>
-              <a:t> </a:t>
-            </a:r>
-            <a:r>
-              <a:rPr dirty="0" err="1"/>
-              <a:t>grandes</a:t>
-            </a:r>
-            <a:r>
-              <a:rPr dirty="0"/>
-              <a:t> → </a:t>
-            </a:r>
-            <a:r>
-              <a:rPr dirty="0" err="1"/>
-              <a:t>subproblemas</a:t>
-            </a:r>
-            <a:r>
-              <a:rPr dirty="0"/>
-              <a:t> </a:t>
-            </a:r>
-            <a:r>
-              <a:rPr dirty="0" err="1"/>
-              <a:t>pequeños</a:t>
-            </a:r>
-            <a:r>
-              <a:rPr dirty="0"/>
-              <a:t>.</a:t>
-            </a:r>
-          </a:p>
-          <a:p>
-            <a:pPr marL="0" indent="0">
-              <a:buNone/>
-              <a:defRPr sz="2400">
-                <a:solidFill>
-                  <a:srgbClr val="3C3C3C"/>
-                </a:solidFill>
-              </a:defRPr>
-            </a:pPr>
-            <a:r>
-              <a:rPr dirty="0"/>
-              <a:t>• </a:t>
-            </a:r>
-            <a:r>
-              <a:rPr dirty="0" err="1"/>
-              <a:t>Ejemplos</a:t>
-            </a:r>
-            <a:r>
-              <a:rPr dirty="0"/>
-              <a:t>: Quicksort, </a:t>
-            </a:r>
-            <a:r>
-              <a:rPr dirty="0" err="1"/>
-              <a:t>Mergesort</a:t>
+              <a:t>Recorridos</a:t>
+            </a:r>
+            <a:r>
+              <a:rPr dirty="0"/>
+              <a:t>: </a:t>
+            </a:r>
+            <a:r>
+              <a:rPr dirty="0" err="1"/>
+              <a:t>Preorden</a:t>
             </a:r>
             <a:r>
               <a:rPr dirty="0"/>
@@ -8421,61 +8913,15 @@
             </a:r>
             <a:r>
               <a:rPr dirty="0" err="1"/>
-              <a:t>Búsqueda</a:t>
-            </a:r>
-            <a:r>
-              <a:rPr dirty="0"/>
-              <a:t> </a:t>
-            </a:r>
-            <a:r>
-              <a:rPr dirty="0" err="1"/>
-              <a:t>binaria</a:t>
-            </a:r>
-            <a:r>
-              <a:rPr dirty="0"/>
-              <a:t>.</a:t>
-            </a:r>
-          </a:p>
-          <a:p>
-            <a:pPr marL="0" indent="0">
-              <a:buNone/>
-              <a:defRPr sz="2400">
-                <a:solidFill>
-                  <a:srgbClr val="3C3C3C"/>
-                </a:solidFill>
-              </a:defRPr>
-            </a:pPr>
-            <a:r>
-              <a:rPr dirty="0"/>
-              <a:t>• </a:t>
-            </a:r>
-            <a:r>
-              <a:rPr dirty="0" err="1"/>
-              <a:t>Recursividad</a:t>
-            </a:r>
-            <a:r>
-              <a:rPr dirty="0"/>
-              <a:t> = clave </a:t>
-            </a:r>
-            <a:r>
-              <a:rPr dirty="0" err="1"/>
-              <a:t>en</a:t>
-            </a:r>
-            <a:r>
-              <a:rPr dirty="0"/>
-              <a:t> </a:t>
-            </a:r>
-            <a:r>
-              <a:rPr dirty="0" err="1"/>
-              <a:t>el</a:t>
-            </a:r>
-            <a:r>
-              <a:rPr dirty="0"/>
-              <a:t> </a:t>
-            </a:r>
-            <a:r>
-              <a:rPr dirty="0" err="1"/>
-              <a:t>rendimiento</a:t>
+              <a:t>Inorden</a:t>
+            </a:r>
+            <a:r>
+              <a:rPr dirty="0"/>
+              <a:t>, </a:t>
+            </a:r>
+            <a:r>
+              <a:rPr dirty="0" err="1"/>
+              <a:t>Posorden</a:t>
             </a:r>
             <a:r>
               <a:rPr dirty="0"/>
